--- a/Dynamic Database Queries - Cloud Eng Team Project.pptx
+++ b/Dynamic Database Queries - Cloud Eng Team Project.pptx
@@ -619,6 +619,725 @@
             <ac:spMk id="16" creationId="{7CEF5AB2-7677-49CF-B5A9-C33AC2B16119}"/>
           </ac:spMkLst>
         </pc:spChg>
+      </pc:sldChg>
+    </pc:docChg>
+  </pc:docChgLst>
+  <pc:docChgLst>
+    <pc:chgData name="McCracken, Jeffery [USA]" userId="820a2c1b-7c6c-4de4-b98e-615da9090dbc" providerId="ADAL" clId="{1465DC27-74A3-468F-A2FF-9342CA94855A}"/>
+    <pc:docChg chg="undo custSel addSld modSld">
+      <pc:chgData name="McCracken, Jeffery [USA]" userId="820a2c1b-7c6c-4de4-b98e-615da9090dbc" providerId="ADAL" clId="{1465DC27-74A3-468F-A2FF-9342CA94855A}" dt="2020-10-27T23:45:07.626" v="661" actId="14861"/>
+      <pc:docMkLst>
+        <pc:docMk/>
+      </pc:docMkLst>
+      <pc:sldChg chg="addSp delSp modSp">
+        <pc:chgData name="McCracken, Jeffery [USA]" userId="820a2c1b-7c6c-4de4-b98e-615da9090dbc" providerId="ADAL" clId="{1465DC27-74A3-468F-A2FF-9342CA94855A}" dt="2020-10-27T23:44:29.671" v="651" actId="478"/>
+        <pc:sldMkLst>
+          <pc:docMk/>
+          <pc:sldMk cId="370480591" sldId="787"/>
+        </pc:sldMkLst>
+        <pc:spChg chg="add del mod">
+          <ac:chgData name="McCracken, Jeffery [USA]" userId="820a2c1b-7c6c-4de4-b98e-615da9090dbc" providerId="ADAL" clId="{1465DC27-74A3-468F-A2FF-9342CA94855A}" dt="2020-10-27T23:44:29.671" v="651" actId="478"/>
+          <ac:spMkLst>
+            <pc:docMk/>
+            <pc:sldMk cId="370480591" sldId="787"/>
+            <ac:spMk id="5" creationId="{D4D0A655-679F-4A7C-85E7-8AB478177434}"/>
+          </ac:spMkLst>
+        </pc:spChg>
+        <pc:spChg chg="add del mod topLvl">
+          <ac:chgData name="McCracken, Jeffery [USA]" userId="820a2c1b-7c6c-4de4-b98e-615da9090dbc" providerId="ADAL" clId="{1465DC27-74A3-468F-A2FF-9342CA94855A}" dt="2020-10-27T22:28:28.746" v="428"/>
+          <ac:spMkLst>
+            <pc:docMk/>
+            <pc:sldMk cId="370480591" sldId="787"/>
+            <ac:spMk id="14" creationId="{DC334363-3520-4312-AA54-703EF1D38239}"/>
+          </ac:spMkLst>
+        </pc:spChg>
+        <pc:spChg chg="del">
+          <ac:chgData name="McCracken, Jeffery [USA]" userId="820a2c1b-7c6c-4de4-b98e-615da9090dbc" providerId="ADAL" clId="{1465DC27-74A3-468F-A2FF-9342CA94855A}" dt="2020-10-27T22:17:01.448" v="97" actId="478"/>
+          <ac:spMkLst>
+            <pc:docMk/>
+            <pc:sldMk cId="370480591" sldId="787"/>
+            <ac:spMk id="15" creationId="{92348850-6FA9-4C26-B7C3-E4DCF64276DF}"/>
+          </ac:spMkLst>
+        </pc:spChg>
+        <pc:spChg chg="mod">
+          <ac:chgData name="McCracken, Jeffery [USA]" userId="820a2c1b-7c6c-4de4-b98e-615da9090dbc" providerId="ADAL" clId="{1465DC27-74A3-468F-A2FF-9342CA94855A}" dt="2020-10-27T22:30:27.010" v="489" actId="14100"/>
+          <ac:spMkLst>
+            <pc:docMk/>
+            <pc:sldMk cId="370480591" sldId="787"/>
+            <ac:spMk id="16" creationId="{E283C77F-6E23-4B8D-AFD3-12007426822C}"/>
+          </ac:spMkLst>
+        </pc:spChg>
+        <pc:spChg chg="mod topLvl">
+          <ac:chgData name="McCracken, Jeffery [USA]" userId="820a2c1b-7c6c-4de4-b98e-615da9090dbc" providerId="ADAL" clId="{1465DC27-74A3-468F-A2FF-9342CA94855A}" dt="2020-10-27T22:28:28.746" v="428"/>
+          <ac:spMkLst>
+            <pc:docMk/>
+            <pc:sldMk cId="370480591" sldId="787"/>
+            <ac:spMk id="17" creationId="{6661948A-7281-4DA2-8A46-EDF961AA8E3E}"/>
+          </ac:spMkLst>
+        </pc:spChg>
+        <pc:spChg chg="mod topLvl">
+          <ac:chgData name="McCracken, Jeffery [USA]" userId="820a2c1b-7c6c-4de4-b98e-615da9090dbc" providerId="ADAL" clId="{1465DC27-74A3-468F-A2FF-9342CA94855A}" dt="2020-10-27T22:28:28.746" v="428"/>
+          <ac:spMkLst>
+            <pc:docMk/>
+            <pc:sldMk cId="370480591" sldId="787"/>
+            <ac:spMk id="20" creationId="{161A44CD-0E42-4326-BC19-C7A7D725A377}"/>
+          </ac:spMkLst>
+        </pc:spChg>
+        <pc:spChg chg="mod topLvl">
+          <ac:chgData name="McCracken, Jeffery [USA]" userId="820a2c1b-7c6c-4de4-b98e-615da9090dbc" providerId="ADAL" clId="{1465DC27-74A3-468F-A2FF-9342CA94855A}" dt="2020-10-27T22:28:28.746" v="428"/>
+          <ac:spMkLst>
+            <pc:docMk/>
+            <pc:sldMk cId="370480591" sldId="787"/>
+            <ac:spMk id="21" creationId="{D00397BE-DB12-49CE-BDC5-0469715BE07B}"/>
+          </ac:spMkLst>
+        </pc:spChg>
+        <pc:spChg chg="mod topLvl">
+          <ac:chgData name="McCracken, Jeffery [USA]" userId="820a2c1b-7c6c-4de4-b98e-615da9090dbc" providerId="ADAL" clId="{1465DC27-74A3-468F-A2FF-9342CA94855A}" dt="2020-10-27T22:28:28.746" v="428"/>
+          <ac:spMkLst>
+            <pc:docMk/>
+            <pc:sldMk cId="370480591" sldId="787"/>
+            <ac:spMk id="23" creationId="{E1805E90-93AC-4631-ABDC-DC4F04136401}"/>
+          </ac:spMkLst>
+        </pc:spChg>
+        <pc:spChg chg="mod topLvl">
+          <ac:chgData name="McCracken, Jeffery [USA]" userId="820a2c1b-7c6c-4de4-b98e-615da9090dbc" providerId="ADAL" clId="{1465DC27-74A3-468F-A2FF-9342CA94855A}" dt="2020-10-27T22:28:28.746" v="428"/>
+          <ac:spMkLst>
+            <pc:docMk/>
+            <pc:sldMk cId="370480591" sldId="787"/>
+            <ac:spMk id="24" creationId="{1863F731-91E4-4074-A2FD-BF8C17897BD3}"/>
+          </ac:spMkLst>
+        </pc:spChg>
+        <pc:spChg chg="mod topLvl">
+          <ac:chgData name="McCracken, Jeffery [USA]" userId="820a2c1b-7c6c-4de4-b98e-615da9090dbc" providerId="ADAL" clId="{1465DC27-74A3-468F-A2FF-9342CA94855A}" dt="2020-10-27T22:28:28.746" v="428"/>
+          <ac:spMkLst>
+            <pc:docMk/>
+            <pc:sldMk cId="370480591" sldId="787"/>
+            <ac:spMk id="25" creationId="{D1DE9A45-F0C7-4BF4-BB4D-FF760A8B1E22}"/>
+          </ac:spMkLst>
+        </pc:spChg>
+        <pc:spChg chg="mod topLvl">
+          <ac:chgData name="McCracken, Jeffery [USA]" userId="820a2c1b-7c6c-4de4-b98e-615da9090dbc" providerId="ADAL" clId="{1465DC27-74A3-468F-A2FF-9342CA94855A}" dt="2020-10-27T22:28:28.746" v="428"/>
+          <ac:spMkLst>
+            <pc:docMk/>
+            <pc:sldMk cId="370480591" sldId="787"/>
+            <ac:spMk id="26" creationId="{3A4F5760-0C59-47EA-9736-3305E1CF0FBD}"/>
+          </ac:spMkLst>
+        </pc:spChg>
+        <pc:spChg chg="mod topLvl">
+          <ac:chgData name="McCracken, Jeffery [USA]" userId="820a2c1b-7c6c-4de4-b98e-615da9090dbc" providerId="ADAL" clId="{1465DC27-74A3-468F-A2FF-9342CA94855A}" dt="2020-10-27T22:28:28.746" v="428"/>
+          <ac:spMkLst>
+            <pc:docMk/>
+            <pc:sldMk cId="370480591" sldId="787"/>
+            <ac:spMk id="37" creationId="{E5FD2F44-52C0-4F22-BA0F-4FBEE46FC44D}"/>
+          </ac:spMkLst>
+        </pc:spChg>
+        <pc:spChg chg="mod topLvl">
+          <ac:chgData name="McCracken, Jeffery [USA]" userId="820a2c1b-7c6c-4de4-b98e-615da9090dbc" providerId="ADAL" clId="{1465DC27-74A3-468F-A2FF-9342CA94855A}" dt="2020-10-27T22:28:28.746" v="428"/>
+          <ac:spMkLst>
+            <pc:docMk/>
+            <pc:sldMk cId="370480591" sldId="787"/>
+            <ac:spMk id="38" creationId="{CE5FD52D-235B-4685-A459-E81E1509B25A}"/>
+          </ac:spMkLst>
+        </pc:spChg>
+        <pc:spChg chg="mod topLvl">
+          <ac:chgData name="McCracken, Jeffery [USA]" userId="820a2c1b-7c6c-4de4-b98e-615da9090dbc" providerId="ADAL" clId="{1465DC27-74A3-468F-A2FF-9342CA94855A}" dt="2020-10-27T22:28:28.746" v="428"/>
+          <ac:spMkLst>
+            <pc:docMk/>
+            <pc:sldMk cId="370480591" sldId="787"/>
+            <ac:spMk id="39" creationId="{4C1B314C-634F-4570-834D-6982BD189B45}"/>
+          </ac:spMkLst>
+        </pc:spChg>
+        <pc:spChg chg="mod topLvl">
+          <ac:chgData name="McCracken, Jeffery [USA]" userId="820a2c1b-7c6c-4de4-b98e-615da9090dbc" providerId="ADAL" clId="{1465DC27-74A3-468F-A2FF-9342CA94855A}" dt="2020-10-27T22:28:28.746" v="428"/>
+          <ac:spMkLst>
+            <pc:docMk/>
+            <pc:sldMk cId="370480591" sldId="787"/>
+            <ac:spMk id="40" creationId="{01575658-4441-4955-BD14-CC78FE74A194}"/>
+          </ac:spMkLst>
+        </pc:spChg>
+        <pc:spChg chg="mod">
+          <ac:chgData name="McCracken, Jeffery [USA]" userId="820a2c1b-7c6c-4de4-b98e-615da9090dbc" providerId="ADAL" clId="{1465DC27-74A3-468F-A2FF-9342CA94855A}" dt="2020-10-27T22:28:28.746" v="428"/>
+          <ac:spMkLst>
+            <pc:docMk/>
+            <pc:sldMk cId="370480591" sldId="787"/>
+            <ac:spMk id="41" creationId="{8D8B92BE-1FE6-4595-AAB2-4C4B258CD0E5}"/>
+          </ac:spMkLst>
+        </pc:spChg>
+        <pc:spChg chg="mod">
+          <ac:chgData name="McCracken, Jeffery [USA]" userId="820a2c1b-7c6c-4de4-b98e-615da9090dbc" providerId="ADAL" clId="{1465DC27-74A3-468F-A2FF-9342CA94855A}" dt="2020-10-27T22:28:28.746" v="428"/>
+          <ac:spMkLst>
+            <pc:docMk/>
+            <pc:sldMk cId="370480591" sldId="787"/>
+            <ac:spMk id="42" creationId="{E5DBE14A-40E4-4491-B8F5-507D85B2FC89}"/>
+          </ac:spMkLst>
+        </pc:spChg>
+        <pc:spChg chg="mod">
+          <ac:chgData name="McCracken, Jeffery [USA]" userId="820a2c1b-7c6c-4de4-b98e-615da9090dbc" providerId="ADAL" clId="{1465DC27-74A3-468F-A2FF-9342CA94855A}" dt="2020-10-27T22:28:28.746" v="428"/>
+          <ac:spMkLst>
+            <pc:docMk/>
+            <pc:sldMk cId="370480591" sldId="787"/>
+            <ac:spMk id="43" creationId="{B8237486-FC35-4E1A-9321-6FC1A0F81EFC}"/>
+          </ac:spMkLst>
+        </pc:spChg>
+        <pc:spChg chg="mod">
+          <ac:chgData name="McCracken, Jeffery [USA]" userId="820a2c1b-7c6c-4de4-b98e-615da9090dbc" providerId="ADAL" clId="{1465DC27-74A3-468F-A2FF-9342CA94855A}" dt="2020-10-27T22:28:28.746" v="428"/>
+          <ac:spMkLst>
+            <pc:docMk/>
+            <pc:sldMk cId="370480591" sldId="787"/>
+            <ac:spMk id="44" creationId="{2474D10A-41A8-431C-AF11-95154E44FC3A}"/>
+          </ac:spMkLst>
+        </pc:spChg>
+        <pc:spChg chg="mod">
+          <ac:chgData name="McCracken, Jeffery [USA]" userId="820a2c1b-7c6c-4de4-b98e-615da9090dbc" providerId="ADAL" clId="{1465DC27-74A3-468F-A2FF-9342CA94855A}" dt="2020-10-27T22:28:28.746" v="428"/>
+          <ac:spMkLst>
+            <pc:docMk/>
+            <pc:sldMk cId="370480591" sldId="787"/>
+            <ac:spMk id="45" creationId="{6A9EE1F7-EC17-4EB2-8D4A-76A846656F82}"/>
+          </ac:spMkLst>
+        </pc:spChg>
+        <pc:spChg chg="add del mod">
+          <ac:chgData name="McCracken, Jeffery [USA]" userId="820a2c1b-7c6c-4de4-b98e-615da9090dbc" providerId="ADAL" clId="{1465DC27-74A3-468F-A2FF-9342CA94855A}" dt="2020-10-27T22:28:52.376" v="443" actId="478"/>
+          <ac:spMkLst>
+            <pc:docMk/>
+            <pc:sldMk cId="370480591" sldId="787"/>
+            <ac:spMk id="46" creationId="{0D7E01DE-9B98-4D53-94E7-77C455E70E95}"/>
+          </ac:spMkLst>
+        </pc:spChg>
+        <pc:spChg chg="add del mod">
+          <ac:chgData name="McCracken, Jeffery [USA]" userId="820a2c1b-7c6c-4de4-b98e-615da9090dbc" providerId="ADAL" clId="{1465DC27-74A3-468F-A2FF-9342CA94855A}" dt="2020-10-27T22:28:51.563" v="442" actId="478"/>
+          <ac:spMkLst>
+            <pc:docMk/>
+            <pc:sldMk cId="370480591" sldId="787"/>
+            <ac:spMk id="47" creationId="{A8EC01D9-DE5C-4D6E-A693-91761F773E78}"/>
+          </ac:spMkLst>
+        </pc:spChg>
+        <pc:spChg chg="mod topLvl">
+          <ac:chgData name="McCracken, Jeffery [USA]" userId="820a2c1b-7c6c-4de4-b98e-615da9090dbc" providerId="ADAL" clId="{1465DC27-74A3-468F-A2FF-9342CA94855A}" dt="2020-10-27T22:40:33.737" v="640" actId="1076"/>
+          <ac:spMkLst>
+            <pc:docMk/>
+            <pc:sldMk cId="370480591" sldId="787"/>
+            <ac:spMk id="49" creationId="{F3C26CD8-A7C2-4B8C-BACA-D1FD98ED2B8B}"/>
+          </ac:spMkLst>
+        </pc:spChg>
+        <pc:spChg chg="mod topLvl">
+          <ac:chgData name="McCracken, Jeffery [USA]" userId="820a2c1b-7c6c-4de4-b98e-615da9090dbc" providerId="ADAL" clId="{1465DC27-74A3-468F-A2FF-9342CA94855A}" dt="2020-10-27T23:44:25.418" v="650" actId="20577"/>
+          <ac:spMkLst>
+            <pc:docMk/>
+            <pc:sldMk cId="370480591" sldId="787"/>
+            <ac:spMk id="50" creationId="{74EEEA6F-BC83-43FA-A3C4-6676527F69FA}"/>
+          </ac:spMkLst>
+        </pc:spChg>
+        <pc:spChg chg="mod topLvl">
+          <ac:chgData name="McCracken, Jeffery [USA]" userId="820a2c1b-7c6c-4de4-b98e-615da9090dbc" providerId="ADAL" clId="{1465DC27-74A3-468F-A2FF-9342CA94855A}" dt="2020-10-27T22:40:33.737" v="640" actId="1076"/>
+          <ac:spMkLst>
+            <pc:docMk/>
+            <pc:sldMk cId="370480591" sldId="787"/>
+            <ac:spMk id="51" creationId="{4C225B68-B34B-4B4B-8EFC-E8B290EB750D}"/>
+          </ac:spMkLst>
+        </pc:spChg>
+        <pc:spChg chg="mod topLvl">
+          <ac:chgData name="McCracken, Jeffery [USA]" userId="820a2c1b-7c6c-4de4-b98e-615da9090dbc" providerId="ADAL" clId="{1465DC27-74A3-468F-A2FF-9342CA94855A}" dt="2020-10-27T22:40:33.737" v="640" actId="1076"/>
+          <ac:spMkLst>
+            <pc:docMk/>
+            <pc:sldMk cId="370480591" sldId="787"/>
+            <ac:spMk id="52" creationId="{59BF2629-BF77-45B2-AA04-48202CFA84DD}"/>
+          </ac:spMkLst>
+        </pc:spChg>
+        <pc:spChg chg="del mod topLvl">
+          <ac:chgData name="McCracken, Jeffery [USA]" userId="820a2c1b-7c6c-4de4-b98e-615da9090dbc" providerId="ADAL" clId="{1465DC27-74A3-468F-A2FF-9342CA94855A}" dt="2020-10-27T22:38:17.774" v="603" actId="478"/>
+          <ac:spMkLst>
+            <pc:docMk/>
+            <pc:sldMk cId="370480591" sldId="787"/>
+            <ac:spMk id="56" creationId="{3C68CE0D-53AD-436E-81B9-1943F2CE1AE3}"/>
+          </ac:spMkLst>
+        </pc:spChg>
+        <pc:spChg chg="del mod topLvl">
+          <ac:chgData name="McCracken, Jeffery [USA]" userId="820a2c1b-7c6c-4de4-b98e-615da9090dbc" providerId="ADAL" clId="{1465DC27-74A3-468F-A2FF-9342CA94855A}" dt="2020-10-27T22:38:17.774" v="603" actId="478"/>
+          <ac:spMkLst>
+            <pc:docMk/>
+            <pc:sldMk cId="370480591" sldId="787"/>
+            <ac:spMk id="57" creationId="{6BD494A1-872E-4132-8936-E01BF7EADB18}"/>
+          </ac:spMkLst>
+        </pc:spChg>
+        <pc:spChg chg="del mod topLvl">
+          <ac:chgData name="McCracken, Jeffery [USA]" userId="820a2c1b-7c6c-4de4-b98e-615da9090dbc" providerId="ADAL" clId="{1465DC27-74A3-468F-A2FF-9342CA94855A}" dt="2020-10-27T22:38:17.774" v="603" actId="478"/>
+          <ac:spMkLst>
+            <pc:docMk/>
+            <pc:sldMk cId="370480591" sldId="787"/>
+            <ac:spMk id="59" creationId="{51702C8A-C35A-4E8D-B395-E7B90B6FD800}"/>
+          </ac:spMkLst>
+        </pc:spChg>
+        <pc:spChg chg="del mod topLvl">
+          <ac:chgData name="McCracken, Jeffery [USA]" userId="820a2c1b-7c6c-4de4-b98e-615da9090dbc" providerId="ADAL" clId="{1465DC27-74A3-468F-A2FF-9342CA94855A}" dt="2020-10-27T22:38:17.774" v="603" actId="478"/>
+          <ac:spMkLst>
+            <pc:docMk/>
+            <pc:sldMk cId="370480591" sldId="787"/>
+            <ac:spMk id="60" creationId="{553513F9-E887-41B4-A080-141EE17C880A}"/>
+          </ac:spMkLst>
+        </pc:spChg>
+        <pc:spChg chg="del mod topLvl">
+          <ac:chgData name="McCracken, Jeffery [USA]" userId="820a2c1b-7c6c-4de4-b98e-615da9090dbc" providerId="ADAL" clId="{1465DC27-74A3-468F-A2FF-9342CA94855A}" dt="2020-10-27T22:38:17.774" v="603" actId="478"/>
+          <ac:spMkLst>
+            <pc:docMk/>
+            <pc:sldMk cId="370480591" sldId="787"/>
+            <ac:spMk id="62" creationId="{EED47F5E-BEB6-4538-832F-DA605673E74E}"/>
+          </ac:spMkLst>
+        </pc:spChg>
+        <pc:spChg chg="del mod topLvl">
+          <ac:chgData name="McCracken, Jeffery [USA]" userId="820a2c1b-7c6c-4de4-b98e-615da9090dbc" providerId="ADAL" clId="{1465DC27-74A3-468F-A2FF-9342CA94855A}" dt="2020-10-27T22:38:17.774" v="603" actId="478"/>
+          <ac:spMkLst>
+            <pc:docMk/>
+            <pc:sldMk cId="370480591" sldId="787"/>
+            <ac:spMk id="63" creationId="{8BC86E69-95BE-4C39-89F9-3D49EB53D7F4}"/>
+          </ac:spMkLst>
+        </pc:spChg>
+        <pc:spChg chg="del mod topLvl">
+          <ac:chgData name="McCracken, Jeffery [USA]" userId="820a2c1b-7c6c-4de4-b98e-615da9090dbc" providerId="ADAL" clId="{1465DC27-74A3-468F-A2FF-9342CA94855A}" dt="2020-10-27T22:38:17.774" v="603" actId="478"/>
+          <ac:spMkLst>
+            <pc:docMk/>
+            <pc:sldMk cId="370480591" sldId="787"/>
+            <ac:spMk id="64" creationId="{91D195C7-822F-44F7-86DB-6826035EF4EA}"/>
+          </ac:spMkLst>
+        </pc:spChg>
+        <pc:spChg chg="del mod topLvl">
+          <ac:chgData name="McCracken, Jeffery [USA]" userId="820a2c1b-7c6c-4de4-b98e-615da9090dbc" providerId="ADAL" clId="{1465DC27-74A3-468F-A2FF-9342CA94855A}" dt="2020-10-27T22:38:17.774" v="603" actId="478"/>
+          <ac:spMkLst>
+            <pc:docMk/>
+            <pc:sldMk cId="370480591" sldId="787"/>
+            <ac:spMk id="65" creationId="{C24DC2D8-225A-498B-899D-3CD201D46DA9}"/>
+          </ac:spMkLst>
+        </pc:spChg>
+        <pc:spChg chg="del mod topLvl">
+          <ac:chgData name="McCracken, Jeffery [USA]" userId="820a2c1b-7c6c-4de4-b98e-615da9090dbc" providerId="ADAL" clId="{1465DC27-74A3-468F-A2FF-9342CA94855A}" dt="2020-10-27T22:38:17.774" v="603" actId="478"/>
+          <ac:spMkLst>
+            <pc:docMk/>
+            <pc:sldMk cId="370480591" sldId="787"/>
+            <ac:spMk id="76" creationId="{EEE52719-8B4E-42A9-899E-767E7593B75E}"/>
+          </ac:spMkLst>
+        </pc:spChg>
+        <pc:spChg chg="del mod topLvl">
+          <ac:chgData name="McCracken, Jeffery [USA]" userId="820a2c1b-7c6c-4de4-b98e-615da9090dbc" providerId="ADAL" clId="{1465DC27-74A3-468F-A2FF-9342CA94855A}" dt="2020-10-27T22:38:17.774" v="603" actId="478"/>
+          <ac:spMkLst>
+            <pc:docMk/>
+            <pc:sldMk cId="370480591" sldId="787"/>
+            <ac:spMk id="77" creationId="{E9DA6869-66EC-41A7-B0E3-49EE4CBADC89}"/>
+          </ac:spMkLst>
+        </pc:spChg>
+        <pc:spChg chg="del mod topLvl">
+          <ac:chgData name="McCracken, Jeffery [USA]" userId="820a2c1b-7c6c-4de4-b98e-615da9090dbc" providerId="ADAL" clId="{1465DC27-74A3-468F-A2FF-9342CA94855A}" dt="2020-10-27T22:38:17.774" v="603" actId="478"/>
+          <ac:spMkLst>
+            <pc:docMk/>
+            <pc:sldMk cId="370480591" sldId="787"/>
+            <ac:spMk id="78" creationId="{A327B074-8CF6-4F43-B008-90FAFE96236C}"/>
+          </ac:spMkLst>
+        </pc:spChg>
+        <pc:spChg chg="del mod topLvl">
+          <ac:chgData name="McCracken, Jeffery [USA]" userId="820a2c1b-7c6c-4de4-b98e-615da9090dbc" providerId="ADAL" clId="{1465DC27-74A3-468F-A2FF-9342CA94855A}" dt="2020-10-27T22:38:17.774" v="603" actId="478"/>
+          <ac:spMkLst>
+            <pc:docMk/>
+            <pc:sldMk cId="370480591" sldId="787"/>
+            <ac:spMk id="79" creationId="{18CEAAC0-82C0-4116-8E6E-C6D965AA13C2}"/>
+          </ac:spMkLst>
+        </pc:spChg>
+        <pc:spChg chg="mod">
+          <ac:chgData name="McCracken, Jeffery [USA]" userId="820a2c1b-7c6c-4de4-b98e-615da9090dbc" providerId="ADAL" clId="{1465DC27-74A3-468F-A2FF-9342CA94855A}" dt="2020-10-27T22:33:51.528" v="523" actId="20577"/>
+          <ac:spMkLst>
+            <pc:docMk/>
+            <pc:sldMk cId="370480591" sldId="787"/>
+            <ac:spMk id="80" creationId="{5B83B893-B114-4C5D-85FB-CC1215E105DD}"/>
+          </ac:spMkLst>
+        </pc:spChg>
+        <pc:spChg chg="del mod">
+          <ac:chgData name="McCracken, Jeffery [USA]" userId="820a2c1b-7c6c-4de4-b98e-615da9090dbc" providerId="ADAL" clId="{1465DC27-74A3-468F-A2FF-9342CA94855A}" dt="2020-10-27T22:39:04.047" v="622" actId="478"/>
+          <ac:spMkLst>
+            <pc:docMk/>
+            <pc:sldMk cId="370480591" sldId="787"/>
+            <ac:spMk id="81" creationId="{218D9EAA-E508-4CF9-ABB1-E196CFF187DF}"/>
+          </ac:spMkLst>
+        </pc:spChg>
+        <pc:spChg chg="mod">
+          <ac:chgData name="McCracken, Jeffery [USA]" userId="820a2c1b-7c6c-4de4-b98e-615da9090dbc" providerId="ADAL" clId="{1465DC27-74A3-468F-A2FF-9342CA94855A}" dt="2020-10-27T22:34:50.379" v="544" actId="207"/>
+          <ac:spMkLst>
+            <pc:docMk/>
+            <pc:sldMk cId="370480591" sldId="787"/>
+            <ac:spMk id="82" creationId="{BFED8F40-AF34-4DDC-B9F9-FA733143F14C}"/>
+          </ac:spMkLst>
+        </pc:spChg>
+        <pc:spChg chg="mod">
+          <ac:chgData name="McCracken, Jeffery [USA]" userId="820a2c1b-7c6c-4de4-b98e-615da9090dbc" providerId="ADAL" clId="{1465DC27-74A3-468F-A2FF-9342CA94855A}" dt="2020-10-27T22:33:51.522" v="517" actId="20577"/>
+          <ac:spMkLst>
+            <pc:docMk/>
+            <pc:sldMk cId="370480591" sldId="787"/>
+            <ac:spMk id="83" creationId="{A77684E2-BA92-48E0-BE38-3B3771D06D3C}"/>
+          </ac:spMkLst>
+        </pc:spChg>
+        <pc:spChg chg="mod">
+          <ac:chgData name="McCracken, Jeffery [USA]" userId="820a2c1b-7c6c-4de4-b98e-615da9090dbc" providerId="ADAL" clId="{1465DC27-74A3-468F-A2FF-9342CA94855A}" dt="2020-10-27T22:33:51.523" v="518" actId="947"/>
+          <ac:spMkLst>
+            <pc:docMk/>
+            <pc:sldMk cId="370480591" sldId="787"/>
+            <ac:spMk id="84" creationId="{022CB793-BD28-4744-BF5D-AD06FA2904FC}"/>
+          </ac:spMkLst>
+        </pc:spChg>
+        <pc:spChg chg="add del mod">
+          <ac:chgData name="McCracken, Jeffery [USA]" userId="820a2c1b-7c6c-4de4-b98e-615da9090dbc" providerId="ADAL" clId="{1465DC27-74A3-468F-A2FF-9342CA94855A}" dt="2020-10-27T22:36:52.276" v="576" actId="478"/>
+          <ac:spMkLst>
+            <pc:docMk/>
+            <pc:sldMk cId="370480591" sldId="787"/>
+            <ac:spMk id="85" creationId="{CAD79450-001D-4622-AB66-9FB3C998ED79}"/>
+          </ac:spMkLst>
+        </pc:spChg>
+        <pc:spChg chg="add del mod">
+          <ac:chgData name="McCracken, Jeffery [USA]" userId="820a2c1b-7c6c-4de4-b98e-615da9090dbc" providerId="ADAL" clId="{1465DC27-74A3-468F-A2FF-9342CA94855A}" dt="2020-10-27T22:36:51.312" v="575" actId="478"/>
+          <ac:spMkLst>
+            <pc:docMk/>
+            <pc:sldMk cId="370480591" sldId="787"/>
+            <ac:spMk id="86" creationId="{65E9A3B7-08A0-46E4-9C89-22AA12A3E5FD}"/>
+          </ac:spMkLst>
+        </pc:spChg>
+        <pc:spChg chg="add del mod">
+          <ac:chgData name="McCracken, Jeffery [USA]" userId="820a2c1b-7c6c-4de4-b98e-615da9090dbc" providerId="ADAL" clId="{1465DC27-74A3-468F-A2FF-9342CA94855A}" dt="2020-10-27T22:36:49.435" v="573" actId="478"/>
+          <ac:spMkLst>
+            <pc:docMk/>
+            <pc:sldMk cId="370480591" sldId="787"/>
+            <ac:spMk id="87" creationId="{B9089B23-8874-416D-8644-8A47B47A27AE}"/>
+          </ac:spMkLst>
+        </pc:spChg>
+        <pc:spChg chg="add del mod">
+          <ac:chgData name="McCracken, Jeffery [USA]" userId="820a2c1b-7c6c-4de4-b98e-615da9090dbc" providerId="ADAL" clId="{1465DC27-74A3-468F-A2FF-9342CA94855A}" dt="2020-10-27T22:36:50.202" v="574" actId="478"/>
+          <ac:spMkLst>
+            <pc:docMk/>
+            <pc:sldMk cId="370480591" sldId="787"/>
+            <ac:spMk id="88" creationId="{2D8D6E9D-6BF0-4997-99C2-62CE09CA89E0}"/>
+          </ac:spMkLst>
+        </pc:spChg>
+        <pc:grpChg chg="add del mod">
+          <ac:chgData name="McCracken, Jeffery [USA]" userId="820a2c1b-7c6c-4de4-b98e-615da9090dbc" providerId="ADAL" clId="{1465DC27-74A3-468F-A2FF-9342CA94855A}" dt="2020-10-27T22:39:05.089" v="623" actId="478"/>
+          <ac:grpSpMkLst>
+            <pc:docMk/>
+            <pc:sldMk cId="370480591" sldId="787"/>
+            <ac:grpSpMk id="6" creationId="{71823894-AB4C-4137-81C2-70F7546BF897}"/>
+          </ac:grpSpMkLst>
+        </pc:grpChg>
+        <pc:grpChg chg="add del mod">
+          <ac:chgData name="McCracken, Jeffery [USA]" userId="820a2c1b-7c6c-4de4-b98e-615da9090dbc" providerId="ADAL" clId="{1465DC27-74A3-468F-A2FF-9342CA94855A}" dt="2020-10-27T22:28:28.746" v="428"/>
+          <ac:grpSpMkLst>
+            <pc:docMk/>
+            <pc:sldMk cId="370480591" sldId="787"/>
+            <ac:grpSpMk id="11" creationId="{D7C8789C-C854-45A5-8F21-E44806D48378}"/>
+          </ac:grpSpMkLst>
+        </pc:grpChg>
+        <pc:grpChg chg="mod topLvl">
+          <ac:chgData name="McCracken, Jeffery [USA]" userId="820a2c1b-7c6c-4de4-b98e-615da9090dbc" providerId="ADAL" clId="{1465DC27-74A3-468F-A2FF-9342CA94855A}" dt="2020-10-27T22:28:28.746" v="428"/>
+          <ac:grpSpMkLst>
+            <pc:docMk/>
+            <pc:sldMk cId="370480591" sldId="787"/>
+            <ac:grpSpMk id="18" creationId="{DA166318-FEE3-4126-A231-C2E919B4FC27}"/>
+          </ac:grpSpMkLst>
+        </pc:grpChg>
+        <pc:grpChg chg="mod topLvl">
+          <ac:chgData name="McCracken, Jeffery [USA]" userId="820a2c1b-7c6c-4de4-b98e-615da9090dbc" providerId="ADAL" clId="{1465DC27-74A3-468F-A2FF-9342CA94855A}" dt="2020-10-27T22:28:28.746" v="428"/>
+          <ac:grpSpMkLst>
+            <pc:docMk/>
+            <pc:sldMk cId="370480591" sldId="787"/>
+            <ac:grpSpMk id="22" creationId="{3330DBE8-B14F-48C7-8F9B-4ACB6AF17DEE}"/>
+          </ac:grpSpMkLst>
+        </pc:grpChg>
+        <pc:grpChg chg="add del mod">
+          <ac:chgData name="McCracken, Jeffery [USA]" userId="820a2c1b-7c6c-4de4-b98e-615da9090dbc" providerId="ADAL" clId="{1465DC27-74A3-468F-A2FF-9342CA94855A}" dt="2020-10-27T22:29:07.871" v="455"/>
+          <ac:grpSpMkLst>
+            <pc:docMk/>
+            <pc:sldMk cId="370480591" sldId="787"/>
+            <ac:grpSpMk id="48" creationId="{41A9DAD0-861C-4E16-B3EA-8EBA74265DF0}"/>
+          </ac:grpSpMkLst>
+        </pc:grpChg>
+        <pc:grpChg chg="add del mod">
+          <ac:chgData name="McCracken, Jeffery [USA]" userId="820a2c1b-7c6c-4de4-b98e-615da9090dbc" providerId="ADAL" clId="{1465DC27-74A3-468F-A2FF-9342CA94855A}" dt="2020-10-27T22:33:51.546" v="536"/>
+          <ac:grpSpMkLst>
+            <pc:docMk/>
+            <pc:sldMk cId="370480591" sldId="787"/>
+            <ac:grpSpMk id="54" creationId="{E947511E-BA33-496E-877C-E920D439127C}"/>
+          </ac:grpSpMkLst>
+        </pc:grpChg>
+        <pc:grpChg chg="del mod topLvl">
+          <ac:chgData name="McCracken, Jeffery [USA]" userId="820a2c1b-7c6c-4de4-b98e-615da9090dbc" providerId="ADAL" clId="{1465DC27-74A3-468F-A2FF-9342CA94855A}" dt="2020-10-27T22:38:17.774" v="603" actId="478"/>
+          <ac:grpSpMkLst>
+            <pc:docMk/>
+            <pc:sldMk cId="370480591" sldId="787"/>
+            <ac:grpSpMk id="58" creationId="{619A4758-B226-41BE-8B34-D0BF23D015D7}"/>
+          </ac:grpSpMkLst>
+        </pc:grpChg>
+        <pc:grpChg chg="mod topLvl">
+          <ac:chgData name="McCracken, Jeffery [USA]" userId="820a2c1b-7c6c-4de4-b98e-615da9090dbc" providerId="ADAL" clId="{1465DC27-74A3-468F-A2FF-9342CA94855A}" dt="2020-10-27T22:38:00.787" v="601" actId="164"/>
+          <ac:grpSpMkLst>
+            <pc:docMk/>
+            <pc:sldMk cId="370480591" sldId="787"/>
+            <ac:grpSpMk id="61" creationId="{2BDD8B25-FBA1-42F4-958D-04084E155628}"/>
+          </ac:grpSpMkLst>
+        </pc:grpChg>
+        <pc:picChg chg="del">
+          <ac:chgData name="McCracken, Jeffery [USA]" userId="820a2c1b-7c6c-4de4-b98e-615da9090dbc" providerId="ADAL" clId="{1465DC27-74A3-468F-A2FF-9342CA94855A}" dt="2020-10-27T22:14:20.898" v="0" actId="478"/>
+          <ac:picMkLst>
+            <pc:docMk/>
+            <pc:sldMk cId="370480591" sldId="787"/>
+            <ac:picMk id="12" creationId="{8449AB03-6AC3-4CB9-804C-BCCED3BCB755}"/>
+          </ac:picMkLst>
+        </pc:picChg>
+        <pc:picChg chg="add mod ord">
+          <ac:chgData name="McCracken, Jeffery [USA]" userId="820a2c1b-7c6c-4de4-b98e-615da9090dbc" providerId="ADAL" clId="{1465DC27-74A3-468F-A2FF-9342CA94855A}" dt="2020-10-27T22:38:00.787" v="601" actId="164"/>
+          <ac:picMkLst>
+            <pc:docMk/>
+            <pc:sldMk cId="370480591" sldId="787"/>
+            <ac:picMk id="53" creationId="{C5A32258-ADB3-4A7A-9C11-E4C2866D780F}"/>
+          </ac:picMkLst>
+        </pc:picChg>
+        <pc:cxnChg chg="mod topLvl">
+          <ac:chgData name="McCracken, Jeffery [USA]" userId="820a2c1b-7c6c-4de4-b98e-615da9090dbc" providerId="ADAL" clId="{1465DC27-74A3-468F-A2FF-9342CA94855A}" dt="2020-10-27T22:28:28.746" v="428"/>
+          <ac:cxnSpMkLst>
+            <pc:docMk/>
+            <pc:sldMk cId="370480591" sldId="787"/>
+            <ac:cxnSpMk id="13" creationId="{BA515956-7B0C-49B9-8298-2BA672E02422}"/>
+          </ac:cxnSpMkLst>
+        </pc:cxnChg>
+        <pc:cxnChg chg="mod topLvl">
+          <ac:chgData name="McCracken, Jeffery [USA]" userId="820a2c1b-7c6c-4de4-b98e-615da9090dbc" providerId="ADAL" clId="{1465DC27-74A3-468F-A2FF-9342CA94855A}" dt="2020-10-27T22:28:28.746" v="428"/>
+          <ac:cxnSpMkLst>
+            <pc:docMk/>
+            <pc:sldMk cId="370480591" sldId="787"/>
+            <ac:cxnSpMk id="27" creationId="{C04FDA87-BCDF-42E5-87BF-A679A90E9911}"/>
+          </ac:cxnSpMkLst>
+        </pc:cxnChg>
+        <pc:cxnChg chg="mod topLvl">
+          <ac:chgData name="McCracken, Jeffery [USA]" userId="820a2c1b-7c6c-4de4-b98e-615da9090dbc" providerId="ADAL" clId="{1465DC27-74A3-468F-A2FF-9342CA94855A}" dt="2020-10-27T22:28:28.746" v="428"/>
+          <ac:cxnSpMkLst>
+            <pc:docMk/>
+            <pc:sldMk cId="370480591" sldId="787"/>
+            <ac:cxnSpMk id="28" creationId="{739E26E4-B1E9-41CE-8F5F-27AC68206420}"/>
+          </ac:cxnSpMkLst>
+        </pc:cxnChg>
+        <pc:cxnChg chg="mod topLvl">
+          <ac:chgData name="McCracken, Jeffery [USA]" userId="820a2c1b-7c6c-4de4-b98e-615da9090dbc" providerId="ADAL" clId="{1465DC27-74A3-468F-A2FF-9342CA94855A}" dt="2020-10-27T22:28:28.746" v="428"/>
+          <ac:cxnSpMkLst>
+            <pc:docMk/>
+            <pc:sldMk cId="370480591" sldId="787"/>
+            <ac:cxnSpMk id="29" creationId="{606A2298-6D81-4699-8FC2-491D5A573720}"/>
+          </ac:cxnSpMkLst>
+        </pc:cxnChg>
+        <pc:cxnChg chg="mod topLvl">
+          <ac:chgData name="McCracken, Jeffery [USA]" userId="820a2c1b-7c6c-4de4-b98e-615da9090dbc" providerId="ADAL" clId="{1465DC27-74A3-468F-A2FF-9342CA94855A}" dt="2020-10-27T22:28:28.746" v="428"/>
+          <ac:cxnSpMkLst>
+            <pc:docMk/>
+            <pc:sldMk cId="370480591" sldId="787"/>
+            <ac:cxnSpMk id="30" creationId="{14DB7656-57E3-4B04-9CA9-9400109F72D2}"/>
+          </ac:cxnSpMkLst>
+        </pc:cxnChg>
+        <pc:cxnChg chg="mod topLvl">
+          <ac:chgData name="McCracken, Jeffery [USA]" userId="820a2c1b-7c6c-4de4-b98e-615da9090dbc" providerId="ADAL" clId="{1465DC27-74A3-468F-A2FF-9342CA94855A}" dt="2020-10-27T22:28:28.746" v="428"/>
+          <ac:cxnSpMkLst>
+            <pc:docMk/>
+            <pc:sldMk cId="370480591" sldId="787"/>
+            <ac:cxnSpMk id="31" creationId="{8DC7DE42-2CB3-4596-B4BD-1D2A4AA56742}"/>
+          </ac:cxnSpMkLst>
+        </pc:cxnChg>
+        <pc:cxnChg chg="mod topLvl">
+          <ac:chgData name="McCracken, Jeffery [USA]" userId="820a2c1b-7c6c-4de4-b98e-615da9090dbc" providerId="ADAL" clId="{1465DC27-74A3-468F-A2FF-9342CA94855A}" dt="2020-10-27T22:28:28.746" v="428"/>
+          <ac:cxnSpMkLst>
+            <pc:docMk/>
+            <pc:sldMk cId="370480591" sldId="787"/>
+            <ac:cxnSpMk id="32" creationId="{59A000CD-A8F1-4CC4-95AD-7840A3A62164}"/>
+          </ac:cxnSpMkLst>
+        </pc:cxnChg>
+        <pc:cxnChg chg="mod topLvl">
+          <ac:chgData name="McCracken, Jeffery [USA]" userId="820a2c1b-7c6c-4de4-b98e-615da9090dbc" providerId="ADAL" clId="{1465DC27-74A3-468F-A2FF-9342CA94855A}" dt="2020-10-27T22:28:28.746" v="428"/>
+          <ac:cxnSpMkLst>
+            <pc:docMk/>
+            <pc:sldMk cId="370480591" sldId="787"/>
+            <ac:cxnSpMk id="33" creationId="{78CD31E9-154A-4FA9-9C3F-1604F8D46931}"/>
+          </ac:cxnSpMkLst>
+        </pc:cxnChg>
+        <pc:cxnChg chg="mod topLvl">
+          <ac:chgData name="McCracken, Jeffery [USA]" userId="820a2c1b-7c6c-4de4-b98e-615da9090dbc" providerId="ADAL" clId="{1465DC27-74A3-468F-A2FF-9342CA94855A}" dt="2020-10-27T22:28:28.746" v="428"/>
+          <ac:cxnSpMkLst>
+            <pc:docMk/>
+            <pc:sldMk cId="370480591" sldId="787"/>
+            <ac:cxnSpMk id="34" creationId="{D76FA746-156C-4C95-B130-FAA7512613EE}"/>
+          </ac:cxnSpMkLst>
+        </pc:cxnChg>
+        <pc:cxnChg chg="mod topLvl">
+          <ac:chgData name="McCracken, Jeffery [USA]" userId="820a2c1b-7c6c-4de4-b98e-615da9090dbc" providerId="ADAL" clId="{1465DC27-74A3-468F-A2FF-9342CA94855A}" dt="2020-10-27T22:28:28.746" v="428"/>
+          <ac:cxnSpMkLst>
+            <pc:docMk/>
+            <pc:sldMk cId="370480591" sldId="787"/>
+            <ac:cxnSpMk id="35" creationId="{51F51C0A-62B9-4A0D-9957-761490697178}"/>
+          </ac:cxnSpMkLst>
+        </pc:cxnChg>
+        <pc:cxnChg chg="mod topLvl">
+          <ac:chgData name="McCracken, Jeffery [USA]" userId="820a2c1b-7c6c-4de4-b98e-615da9090dbc" providerId="ADAL" clId="{1465DC27-74A3-468F-A2FF-9342CA94855A}" dt="2020-10-27T22:28:28.746" v="428"/>
+          <ac:cxnSpMkLst>
+            <pc:docMk/>
+            <pc:sldMk cId="370480591" sldId="787"/>
+            <ac:cxnSpMk id="36" creationId="{B9B342AB-6799-4202-A093-28772A0A528F}"/>
+          </ac:cxnSpMkLst>
+        </pc:cxnChg>
+        <pc:cxnChg chg="del mod topLvl">
+          <ac:chgData name="McCracken, Jeffery [USA]" userId="820a2c1b-7c6c-4de4-b98e-615da9090dbc" providerId="ADAL" clId="{1465DC27-74A3-468F-A2FF-9342CA94855A}" dt="2020-10-27T22:38:17.774" v="603" actId="478"/>
+          <ac:cxnSpMkLst>
+            <pc:docMk/>
+            <pc:sldMk cId="370480591" sldId="787"/>
+            <ac:cxnSpMk id="55" creationId="{CFAEFD72-B561-43C2-AD1E-ADF467BD3043}"/>
+          </ac:cxnSpMkLst>
+        </pc:cxnChg>
+        <pc:cxnChg chg="del mod topLvl">
+          <ac:chgData name="McCracken, Jeffery [USA]" userId="820a2c1b-7c6c-4de4-b98e-615da9090dbc" providerId="ADAL" clId="{1465DC27-74A3-468F-A2FF-9342CA94855A}" dt="2020-10-27T22:38:17.774" v="603" actId="478"/>
+          <ac:cxnSpMkLst>
+            <pc:docMk/>
+            <pc:sldMk cId="370480591" sldId="787"/>
+            <ac:cxnSpMk id="66" creationId="{E8AD8CBD-9144-49BA-BD1A-48CAB926FB24}"/>
+          </ac:cxnSpMkLst>
+        </pc:cxnChg>
+        <pc:cxnChg chg="del mod topLvl">
+          <ac:chgData name="McCracken, Jeffery [USA]" userId="820a2c1b-7c6c-4de4-b98e-615da9090dbc" providerId="ADAL" clId="{1465DC27-74A3-468F-A2FF-9342CA94855A}" dt="2020-10-27T22:38:17.774" v="603" actId="478"/>
+          <ac:cxnSpMkLst>
+            <pc:docMk/>
+            <pc:sldMk cId="370480591" sldId="787"/>
+            <ac:cxnSpMk id="67" creationId="{D337B280-0600-4E2C-8578-817FFA85852C}"/>
+          </ac:cxnSpMkLst>
+        </pc:cxnChg>
+        <pc:cxnChg chg="del mod topLvl">
+          <ac:chgData name="McCracken, Jeffery [USA]" userId="820a2c1b-7c6c-4de4-b98e-615da9090dbc" providerId="ADAL" clId="{1465DC27-74A3-468F-A2FF-9342CA94855A}" dt="2020-10-27T22:38:17.774" v="603" actId="478"/>
+          <ac:cxnSpMkLst>
+            <pc:docMk/>
+            <pc:sldMk cId="370480591" sldId="787"/>
+            <ac:cxnSpMk id="68" creationId="{EC9C1A4F-F10F-48E5-B696-E308DE4B194B}"/>
+          </ac:cxnSpMkLst>
+        </pc:cxnChg>
+        <pc:cxnChg chg="del mod topLvl">
+          <ac:chgData name="McCracken, Jeffery [USA]" userId="820a2c1b-7c6c-4de4-b98e-615da9090dbc" providerId="ADAL" clId="{1465DC27-74A3-468F-A2FF-9342CA94855A}" dt="2020-10-27T22:38:17.774" v="603" actId="478"/>
+          <ac:cxnSpMkLst>
+            <pc:docMk/>
+            <pc:sldMk cId="370480591" sldId="787"/>
+            <ac:cxnSpMk id="69" creationId="{6E68156C-D19D-4759-A95B-82BD90B4A43C}"/>
+          </ac:cxnSpMkLst>
+        </pc:cxnChg>
+        <pc:cxnChg chg="del mod topLvl">
+          <ac:chgData name="McCracken, Jeffery [USA]" userId="820a2c1b-7c6c-4de4-b98e-615da9090dbc" providerId="ADAL" clId="{1465DC27-74A3-468F-A2FF-9342CA94855A}" dt="2020-10-27T22:38:17.774" v="603" actId="478"/>
+          <ac:cxnSpMkLst>
+            <pc:docMk/>
+            <pc:sldMk cId="370480591" sldId="787"/>
+            <ac:cxnSpMk id="70" creationId="{114DF7DA-6EBD-4230-9C56-E0E41B538B93}"/>
+          </ac:cxnSpMkLst>
+        </pc:cxnChg>
+        <pc:cxnChg chg="del mod topLvl">
+          <ac:chgData name="McCracken, Jeffery [USA]" userId="820a2c1b-7c6c-4de4-b98e-615da9090dbc" providerId="ADAL" clId="{1465DC27-74A3-468F-A2FF-9342CA94855A}" dt="2020-10-27T22:38:17.774" v="603" actId="478"/>
+          <ac:cxnSpMkLst>
+            <pc:docMk/>
+            <pc:sldMk cId="370480591" sldId="787"/>
+            <ac:cxnSpMk id="71" creationId="{58E83FEC-69C0-441D-8D3A-16B8DDBD8280}"/>
+          </ac:cxnSpMkLst>
+        </pc:cxnChg>
+        <pc:cxnChg chg="del mod topLvl">
+          <ac:chgData name="McCracken, Jeffery [USA]" userId="820a2c1b-7c6c-4de4-b98e-615da9090dbc" providerId="ADAL" clId="{1465DC27-74A3-468F-A2FF-9342CA94855A}" dt="2020-10-27T22:38:17.774" v="603" actId="478"/>
+          <ac:cxnSpMkLst>
+            <pc:docMk/>
+            <pc:sldMk cId="370480591" sldId="787"/>
+            <ac:cxnSpMk id="72" creationId="{3D80B72E-F2A1-45D8-9F2B-A21533D78AA6}"/>
+          </ac:cxnSpMkLst>
+        </pc:cxnChg>
+        <pc:cxnChg chg="del mod topLvl">
+          <ac:chgData name="McCracken, Jeffery [USA]" userId="820a2c1b-7c6c-4de4-b98e-615da9090dbc" providerId="ADAL" clId="{1465DC27-74A3-468F-A2FF-9342CA94855A}" dt="2020-10-27T22:38:17.774" v="603" actId="478"/>
+          <ac:cxnSpMkLst>
+            <pc:docMk/>
+            <pc:sldMk cId="370480591" sldId="787"/>
+            <ac:cxnSpMk id="73" creationId="{01D38BCD-3915-406B-8EF9-1B9568F17452}"/>
+          </ac:cxnSpMkLst>
+        </pc:cxnChg>
+        <pc:cxnChg chg="del mod topLvl">
+          <ac:chgData name="McCracken, Jeffery [USA]" userId="820a2c1b-7c6c-4de4-b98e-615da9090dbc" providerId="ADAL" clId="{1465DC27-74A3-468F-A2FF-9342CA94855A}" dt="2020-10-27T22:38:17.774" v="603" actId="478"/>
+          <ac:cxnSpMkLst>
+            <pc:docMk/>
+            <pc:sldMk cId="370480591" sldId="787"/>
+            <ac:cxnSpMk id="74" creationId="{3084B0B7-7047-4ACA-9013-4D681DE03A9E}"/>
+          </ac:cxnSpMkLst>
+        </pc:cxnChg>
+        <pc:cxnChg chg="del mod topLvl">
+          <ac:chgData name="McCracken, Jeffery [USA]" userId="820a2c1b-7c6c-4de4-b98e-615da9090dbc" providerId="ADAL" clId="{1465DC27-74A3-468F-A2FF-9342CA94855A}" dt="2020-10-27T22:38:17.774" v="603" actId="478"/>
+          <ac:cxnSpMkLst>
+            <pc:docMk/>
+            <pc:sldMk cId="370480591" sldId="787"/>
+            <ac:cxnSpMk id="75" creationId="{250F4727-6BE4-46E6-AB94-A26E62C619E9}"/>
+          </ac:cxnSpMkLst>
+        </pc:cxnChg>
+      </pc:sldChg>
+      <pc:sldChg chg="addSp delSp modSp add">
+        <pc:chgData name="McCracken, Jeffery [USA]" userId="820a2c1b-7c6c-4de4-b98e-615da9090dbc" providerId="ADAL" clId="{1465DC27-74A3-468F-A2FF-9342CA94855A}" dt="2020-10-27T23:45:07.626" v="661" actId="14861"/>
+        <pc:sldMkLst>
+          <pc:docMk/>
+          <pc:sldMk cId="3220261118" sldId="804"/>
+        </pc:sldMkLst>
+        <pc:spChg chg="del">
+          <ac:chgData name="McCracken, Jeffery [USA]" userId="820a2c1b-7c6c-4de4-b98e-615da9090dbc" providerId="ADAL" clId="{1465DC27-74A3-468F-A2FF-9342CA94855A}" dt="2020-10-27T23:44:36.899" v="652" actId="478"/>
+          <ac:spMkLst>
+            <pc:docMk/>
+            <pc:sldMk cId="3220261118" sldId="804"/>
+            <ac:spMk id="5" creationId="{D4D0A655-679F-4A7C-85E7-8AB478177434}"/>
+          </ac:spMkLst>
+        </pc:spChg>
+        <pc:spChg chg="mod">
+          <ac:chgData name="McCracken, Jeffery [USA]" userId="820a2c1b-7c6c-4de4-b98e-615da9090dbc" providerId="ADAL" clId="{1465DC27-74A3-468F-A2FF-9342CA94855A}" dt="2020-10-27T23:44:40.405" v="656" actId="20577"/>
+          <ac:spMkLst>
+            <pc:docMk/>
+            <pc:sldMk cId="3220261118" sldId="804"/>
+            <ac:spMk id="9" creationId="{45836CEC-C857-420C-AE4D-DF7422203A40}"/>
+          </ac:spMkLst>
+        </pc:spChg>
+        <pc:spChg chg="del">
+          <ac:chgData name="McCracken, Jeffery [USA]" userId="820a2c1b-7c6c-4de4-b98e-615da9090dbc" providerId="ADAL" clId="{1465DC27-74A3-468F-A2FF-9342CA94855A}" dt="2020-10-27T23:44:36.899" v="652" actId="478"/>
+          <ac:spMkLst>
+            <pc:docMk/>
+            <pc:sldMk cId="3220261118" sldId="804"/>
+            <ac:spMk id="16" creationId="{E283C77F-6E23-4B8D-AFD3-12007426822C}"/>
+          </ac:spMkLst>
+        </pc:spChg>
+        <pc:spChg chg="del">
+          <ac:chgData name="McCracken, Jeffery [USA]" userId="820a2c1b-7c6c-4de4-b98e-615da9090dbc" providerId="ADAL" clId="{1465DC27-74A3-468F-A2FF-9342CA94855A}" dt="2020-10-27T23:44:36.899" v="652" actId="478"/>
+          <ac:spMkLst>
+            <pc:docMk/>
+            <pc:sldMk cId="3220261118" sldId="804"/>
+            <ac:spMk id="49" creationId="{F3C26CD8-A7C2-4B8C-BACA-D1FD98ED2B8B}"/>
+          </ac:spMkLst>
+        </pc:spChg>
+        <pc:spChg chg="del">
+          <ac:chgData name="McCracken, Jeffery [USA]" userId="820a2c1b-7c6c-4de4-b98e-615da9090dbc" providerId="ADAL" clId="{1465DC27-74A3-468F-A2FF-9342CA94855A}" dt="2020-10-27T23:44:36.899" v="652" actId="478"/>
+          <ac:spMkLst>
+            <pc:docMk/>
+            <pc:sldMk cId="3220261118" sldId="804"/>
+            <ac:spMk id="50" creationId="{74EEEA6F-BC83-43FA-A3C4-6676527F69FA}"/>
+          </ac:spMkLst>
+        </pc:spChg>
+        <pc:spChg chg="del">
+          <ac:chgData name="McCracken, Jeffery [USA]" userId="820a2c1b-7c6c-4de4-b98e-615da9090dbc" providerId="ADAL" clId="{1465DC27-74A3-468F-A2FF-9342CA94855A}" dt="2020-10-27T23:44:36.899" v="652" actId="478"/>
+          <ac:spMkLst>
+            <pc:docMk/>
+            <pc:sldMk cId="3220261118" sldId="804"/>
+            <ac:spMk id="51" creationId="{4C225B68-B34B-4B4B-8EFC-E8B290EB750D}"/>
+          </ac:spMkLst>
+        </pc:spChg>
+        <pc:spChg chg="del">
+          <ac:chgData name="McCracken, Jeffery [USA]" userId="820a2c1b-7c6c-4de4-b98e-615da9090dbc" providerId="ADAL" clId="{1465DC27-74A3-468F-A2FF-9342CA94855A}" dt="2020-10-27T23:44:36.899" v="652" actId="478"/>
+          <ac:spMkLst>
+            <pc:docMk/>
+            <pc:sldMk cId="3220261118" sldId="804"/>
+            <ac:spMk id="52" creationId="{59BF2629-BF77-45B2-AA04-48202CFA84DD}"/>
+          </ac:spMkLst>
+        </pc:spChg>
+        <pc:picChg chg="add mod">
+          <ac:chgData name="McCracken, Jeffery [USA]" userId="820a2c1b-7c6c-4de4-b98e-615da9090dbc" providerId="ADAL" clId="{1465DC27-74A3-468F-A2FF-9342CA94855A}" dt="2020-10-27T23:45:07.626" v="661" actId="14861"/>
+          <ac:picMkLst>
+            <pc:docMk/>
+            <pc:sldMk cId="3220261118" sldId="804"/>
+            <ac:picMk id="6" creationId="{B5729C8D-D795-4C44-8FC7-2BED047A60ED}"/>
+          </ac:picMkLst>
+        </pc:picChg>
       </pc:sldChg>
     </pc:docChg>
   </pc:docChgLst>
@@ -2791,725 +3510,6 @@
             <pc:docMk/>
             <pc:sldMk cId="1118469767" sldId="807"/>
             <ac:picMk id="2050" creationId="{04BBDBA4-8194-46A1-8E05-7D43E2F3ACF0}"/>
-          </ac:picMkLst>
-        </pc:picChg>
-      </pc:sldChg>
-    </pc:docChg>
-  </pc:docChgLst>
-  <pc:docChgLst>
-    <pc:chgData name="McCracken, Jeffery [USA]" userId="820a2c1b-7c6c-4de4-b98e-615da9090dbc" providerId="ADAL" clId="{1465DC27-74A3-468F-A2FF-9342CA94855A}"/>
-    <pc:docChg chg="undo custSel addSld modSld">
-      <pc:chgData name="McCracken, Jeffery [USA]" userId="820a2c1b-7c6c-4de4-b98e-615da9090dbc" providerId="ADAL" clId="{1465DC27-74A3-468F-A2FF-9342CA94855A}" dt="2020-10-27T23:45:07.626" v="661" actId="14861"/>
-      <pc:docMkLst>
-        <pc:docMk/>
-      </pc:docMkLst>
-      <pc:sldChg chg="addSp delSp modSp">
-        <pc:chgData name="McCracken, Jeffery [USA]" userId="820a2c1b-7c6c-4de4-b98e-615da9090dbc" providerId="ADAL" clId="{1465DC27-74A3-468F-A2FF-9342CA94855A}" dt="2020-10-27T23:44:29.671" v="651" actId="478"/>
-        <pc:sldMkLst>
-          <pc:docMk/>
-          <pc:sldMk cId="370480591" sldId="787"/>
-        </pc:sldMkLst>
-        <pc:spChg chg="add del mod">
-          <ac:chgData name="McCracken, Jeffery [USA]" userId="820a2c1b-7c6c-4de4-b98e-615da9090dbc" providerId="ADAL" clId="{1465DC27-74A3-468F-A2FF-9342CA94855A}" dt="2020-10-27T23:44:29.671" v="651" actId="478"/>
-          <ac:spMkLst>
-            <pc:docMk/>
-            <pc:sldMk cId="370480591" sldId="787"/>
-            <ac:spMk id="5" creationId="{D4D0A655-679F-4A7C-85E7-8AB478177434}"/>
-          </ac:spMkLst>
-        </pc:spChg>
-        <pc:spChg chg="add del mod topLvl">
-          <ac:chgData name="McCracken, Jeffery [USA]" userId="820a2c1b-7c6c-4de4-b98e-615da9090dbc" providerId="ADAL" clId="{1465DC27-74A3-468F-A2FF-9342CA94855A}" dt="2020-10-27T22:28:28.746" v="428"/>
-          <ac:spMkLst>
-            <pc:docMk/>
-            <pc:sldMk cId="370480591" sldId="787"/>
-            <ac:spMk id="14" creationId="{DC334363-3520-4312-AA54-703EF1D38239}"/>
-          </ac:spMkLst>
-        </pc:spChg>
-        <pc:spChg chg="del">
-          <ac:chgData name="McCracken, Jeffery [USA]" userId="820a2c1b-7c6c-4de4-b98e-615da9090dbc" providerId="ADAL" clId="{1465DC27-74A3-468F-A2FF-9342CA94855A}" dt="2020-10-27T22:17:01.448" v="97" actId="478"/>
-          <ac:spMkLst>
-            <pc:docMk/>
-            <pc:sldMk cId="370480591" sldId="787"/>
-            <ac:spMk id="15" creationId="{92348850-6FA9-4C26-B7C3-E4DCF64276DF}"/>
-          </ac:spMkLst>
-        </pc:spChg>
-        <pc:spChg chg="mod">
-          <ac:chgData name="McCracken, Jeffery [USA]" userId="820a2c1b-7c6c-4de4-b98e-615da9090dbc" providerId="ADAL" clId="{1465DC27-74A3-468F-A2FF-9342CA94855A}" dt="2020-10-27T22:30:27.010" v="489" actId="14100"/>
-          <ac:spMkLst>
-            <pc:docMk/>
-            <pc:sldMk cId="370480591" sldId="787"/>
-            <ac:spMk id="16" creationId="{E283C77F-6E23-4B8D-AFD3-12007426822C}"/>
-          </ac:spMkLst>
-        </pc:spChg>
-        <pc:spChg chg="mod topLvl">
-          <ac:chgData name="McCracken, Jeffery [USA]" userId="820a2c1b-7c6c-4de4-b98e-615da9090dbc" providerId="ADAL" clId="{1465DC27-74A3-468F-A2FF-9342CA94855A}" dt="2020-10-27T22:28:28.746" v="428"/>
-          <ac:spMkLst>
-            <pc:docMk/>
-            <pc:sldMk cId="370480591" sldId="787"/>
-            <ac:spMk id="17" creationId="{6661948A-7281-4DA2-8A46-EDF961AA8E3E}"/>
-          </ac:spMkLst>
-        </pc:spChg>
-        <pc:spChg chg="mod topLvl">
-          <ac:chgData name="McCracken, Jeffery [USA]" userId="820a2c1b-7c6c-4de4-b98e-615da9090dbc" providerId="ADAL" clId="{1465DC27-74A3-468F-A2FF-9342CA94855A}" dt="2020-10-27T22:28:28.746" v="428"/>
-          <ac:spMkLst>
-            <pc:docMk/>
-            <pc:sldMk cId="370480591" sldId="787"/>
-            <ac:spMk id="20" creationId="{161A44CD-0E42-4326-BC19-C7A7D725A377}"/>
-          </ac:spMkLst>
-        </pc:spChg>
-        <pc:spChg chg="mod topLvl">
-          <ac:chgData name="McCracken, Jeffery [USA]" userId="820a2c1b-7c6c-4de4-b98e-615da9090dbc" providerId="ADAL" clId="{1465DC27-74A3-468F-A2FF-9342CA94855A}" dt="2020-10-27T22:28:28.746" v="428"/>
-          <ac:spMkLst>
-            <pc:docMk/>
-            <pc:sldMk cId="370480591" sldId="787"/>
-            <ac:spMk id="21" creationId="{D00397BE-DB12-49CE-BDC5-0469715BE07B}"/>
-          </ac:spMkLst>
-        </pc:spChg>
-        <pc:spChg chg="mod topLvl">
-          <ac:chgData name="McCracken, Jeffery [USA]" userId="820a2c1b-7c6c-4de4-b98e-615da9090dbc" providerId="ADAL" clId="{1465DC27-74A3-468F-A2FF-9342CA94855A}" dt="2020-10-27T22:28:28.746" v="428"/>
-          <ac:spMkLst>
-            <pc:docMk/>
-            <pc:sldMk cId="370480591" sldId="787"/>
-            <ac:spMk id="23" creationId="{E1805E90-93AC-4631-ABDC-DC4F04136401}"/>
-          </ac:spMkLst>
-        </pc:spChg>
-        <pc:spChg chg="mod topLvl">
-          <ac:chgData name="McCracken, Jeffery [USA]" userId="820a2c1b-7c6c-4de4-b98e-615da9090dbc" providerId="ADAL" clId="{1465DC27-74A3-468F-A2FF-9342CA94855A}" dt="2020-10-27T22:28:28.746" v="428"/>
-          <ac:spMkLst>
-            <pc:docMk/>
-            <pc:sldMk cId="370480591" sldId="787"/>
-            <ac:spMk id="24" creationId="{1863F731-91E4-4074-A2FD-BF8C17897BD3}"/>
-          </ac:spMkLst>
-        </pc:spChg>
-        <pc:spChg chg="mod topLvl">
-          <ac:chgData name="McCracken, Jeffery [USA]" userId="820a2c1b-7c6c-4de4-b98e-615da9090dbc" providerId="ADAL" clId="{1465DC27-74A3-468F-A2FF-9342CA94855A}" dt="2020-10-27T22:28:28.746" v="428"/>
-          <ac:spMkLst>
-            <pc:docMk/>
-            <pc:sldMk cId="370480591" sldId="787"/>
-            <ac:spMk id="25" creationId="{D1DE9A45-F0C7-4BF4-BB4D-FF760A8B1E22}"/>
-          </ac:spMkLst>
-        </pc:spChg>
-        <pc:spChg chg="mod topLvl">
-          <ac:chgData name="McCracken, Jeffery [USA]" userId="820a2c1b-7c6c-4de4-b98e-615da9090dbc" providerId="ADAL" clId="{1465DC27-74A3-468F-A2FF-9342CA94855A}" dt="2020-10-27T22:28:28.746" v="428"/>
-          <ac:spMkLst>
-            <pc:docMk/>
-            <pc:sldMk cId="370480591" sldId="787"/>
-            <ac:spMk id="26" creationId="{3A4F5760-0C59-47EA-9736-3305E1CF0FBD}"/>
-          </ac:spMkLst>
-        </pc:spChg>
-        <pc:spChg chg="mod topLvl">
-          <ac:chgData name="McCracken, Jeffery [USA]" userId="820a2c1b-7c6c-4de4-b98e-615da9090dbc" providerId="ADAL" clId="{1465DC27-74A3-468F-A2FF-9342CA94855A}" dt="2020-10-27T22:28:28.746" v="428"/>
-          <ac:spMkLst>
-            <pc:docMk/>
-            <pc:sldMk cId="370480591" sldId="787"/>
-            <ac:spMk id="37" creationId="{E5FD2F44-52C0-4F22-BA0F-4FBEE46FC44D}"/>
-          </ac:spMkLst>
-        </pc:spChg>
-        <pc:spChg chg="mod topLvl">
-          <ac:chgData name="McCracken, Jeffery [USA]" userId="820a2c1b-7c6c-4de4-b98e-615da9090dbc" providerId="ADAL" clId="{1465DC27-74A3-468F-A2FF-9342CA94855A}" dt="2020-10-27T22:28:28.746" v="428"/>
-          <ac:spMkLst>
-            <pc:docMk/>
-            <pc:sldMk cId="370480591" sldId="787"/>
-            <ac:spMk id="38" creationId="{CE5FD52D-235B-4685-A459-E81E1509B25A}"/>
-          </ac:spMkLst>
-        </pc:spChg>
-        <pc:spChg chg="mod topLvl">
-          <ac:chgData name="McCracken, Jeffery [USA]" userId="820a2c1b-7c6c-4de4-b98e-615da9090dbc" providerId="ADAL" clId="{1465DC27-74A3-468F-A2FF-9342CA94855A}" dt="2020-10-27T22:28:28.746" v="428"/>
-          <ac:spMkLst>
-            <pc:docMk/>
-            <pc:sldMk cId="370480591" sldId="787"/>
-            <ac:spMk id="39" creationId="{4C1B314C-634F-4570-834D-6982BD189B45}"/>
-          </ac:spMkLst>
-        </pc:spChg>
-        <pc:spChg chg="mod topLvl">
-          <ac:chgData name="McCracken, Jeffery [USA]" userId="820a2c1b-7c6c-4de4-b98e-615da9090dbc" providerId="ADAL" clId="{1465DC27-74A3-468F-A2FF-9342CA94855A}" dt="2020-10-27T22:28:28.746" v="428"/>
-          <ac:spMkLst>
-            <pc:docMk/>
-            <pc:sldMk cId="370480591" sldId="787"/>
-            <ac:spMk id="40" creationId="{01575658-4441-4955-BD14-CC78FE74A194}"/>
-          </ac:spMkLst>
-        </pc:spChg>
-        <pc:spChg chg="mod">
-          <ac:chgData name="McCracken, Jeffery [USA]" userId="820a2c1b-7c6c-4de4-b98e-615da9090dbc" providerId="ADAL" clId="{1465DC27-74A3-468F-A2FF-9342CA94855A}" dt="2020-10-27T22:28:28.746" v="428"/>
-          <ac:spMkLst>
-            <pc:docMk/>
-            <pc:sldMk cId="370480591" sldId="787"/>
-            <ac:spMk id="41" creationId="{8D8B92BE-1FE6-4595-AAB2-4C4B258CD0E5}"/>
-          </ac:spMkLst>
-        </pc:spChg>
-        <pc:spChg chg="mod">
-          <ac:chgData name="McCracken, Jeffery [USA]" userId="820a2c1b-7c6c-4de4-b98e-615da9090dbc" providerId="ADAL" clId="{1465DC27-74A3-468F-A2FF-9342CA94855A}" dt="2020-10-27T22:28:28.746" v="428"/>
-          <ac:spMkLst>
-            <pc:docMk/>
-            <pc:sldMk cId="370480591" sldId="787"/>
-            <ac:spMk id="42" creationId="{E5DBE14A-40E4-4491-B8F5-507D85B2FC89}"/>
-          </ac:spMkLst>
-        </pc:spChg>
-        <pc:spChg chg="mod">
-          <ac:chgData name="McCracken, Jeffery [USA]" userId="820a2c1b-7c6c-4de4-b98e-615da9090dbc" providerId="ADAL" clId="{1465DC27-74A3-468F-A2FF-9342CA94855A}" dt="2020-10-27T22:28:28.746" v="428"/>
-          <ac:spMkLst>
-            <pc:docMk/>
-            <pc:sldMk cId="370480591" sldId="787"/>
-            <ac:spMk id="43" creationId="{B8237486-FC35-4E1A-9321-6FC1A0F81EFC}"/>
-          </ac:spMkLst>
-        </pc:spChg>
-        <pc:spChg chg="mod">
-          <ac:chgData name="McCracken, Jeffery [USA]" userId="820a2c1b-7c6c-4de4-b98e-615da9090dbc" providerId="ADAL" clId="{1465DC27-74A3-468F-A2FF-9342CA94855A}" dt="2020-10-27T22:28:28.746" v="428"/>
-          <ac:spMkLst>
-            <pc:docMk/>
-            <pc:sldMk cId="370480591" sldId="787"/>
-            <ac:spMk id="44" creationId="{2474D10A-41A8-431C-AF11-95154E44FC3A}"/>
-          </ac:spMkLst>
-        </pc:spChg>
-        <pc:spChg chg="mod">
-          <ac:chgData name="McCracken, Jeffery [USA]" userId="820a2c1b-7c6c-4de4-b98e-615da9090dbc" providerId="ADAL" clId="{1465DC27-74A3-468F-A2FF-9342CA94855A}" dt="2020-10-27T22:28:28.746" v="428"/>
-          <ac:spMkLst>
-            <pc:docMk/>
-            <pc:sldMk cId="370480591" sldId="787"/>
-            <ac:spMk id="45" creationId="{6A9EE1F7-EC17-4EB2-8D4A-76A846656F82}"/>
-          </ac:spMkLst>
-        </pc:spChg>
-        <pc:spChg chg="add del mod">
-          <ac:chgData name="McCracken, Jeffery [USA]" userId="820a2c1b-7c6c-4de4-b98e-615da9090dbc" providerId="ADAL" clId="{1465DC27-74A3-468F-A2FF-9342CA94855A}" dt="2020-10-27T22:28:52.376" v="443" actId="478"/>
-          <ac:spMkLst>
-            <pc:docMk/>
-            <pc:sldMk cId="370480591" sldId="787"/>
-            <ac:spMk id="46" creationId="{0D7E01DE-9B98-4D53-94E7-77C455E70E95}"/>
-          </ac:spMkLst>
-        </pc:spChg>
-        <pc:spChg chg="add del mod">
-          <ac:chgData name="McCracken, Jeffery [USA]" userId="820a2c1b-7c6c-4de4-b98e-615da9090dbc" providerId="ADAL" clId="{1465DC27-74A3-468F-A2FF-9342CA94855A}" dt="2020-10-27T22:28:51.563" v="442" actId="478"/>
-          <ac:spMkLst>
-            <pc:docMk/>
-            <pc:sldMk cId="370480591" sldId="787"/>
-            <ac:spMk id="47" creationId="{A8EC01D9-DE5C-4D6E-A693-91761F773E78}"/>
-          </ac:spMkLst>
-        </pc:spChg>
-        <pc:spChg chg="mod topLvl">
-          <ac:chgData name="McCracken, Jeffery [USA]" userId="820a2c1b-7c6c-4de4-b98e-615da9090dbc" providerId="ADAL" clId="{1465DC27-74A3-468F-A2FF-9342CA94855A}" dt="2020-10-27T22:40:33.737" v="640" actId="1076"/>
-          <ac:spMkLst>
-            <pc:docMk/>
-            <pc:sldMk cId="370480591" sldId="787"/>
-            <ac:spMk id="49" creationId="{F3C26CD8-A7C2-4B8C-BACA-D1FD98ED2B8B}"/>
-          </ac:spMkLst>
-        </pc:spChg>
-        <pc:spChg chg="mod topLvl">
-          <ac:chgData name="McCracken, Jeffery [USA]" userId="820a2c1b-7c6c-4de4-b98e-615da9090dbc" providerId="ADAL" clId="{1465DC27-74A3-468F-A2FF-9342CA94855A}" dt="2020-10-27T23:44:25.418" v="650" actId="20577"/>
-          <ac:spMkLst>
-            <pc:docMk/>
-            <pc:sldMk cId="370480591" sldId="787"/>
-            <ac:spMk id="50" creationId="{74EEEA6F-BC83-43FA-A3C4-6676527F69FA}"/>
-          </ac:spMkLst>
-        </pc:spChg>
-        <pc:spChg chg="mod topLvl">
-          <ac:chgData name="McCracken, Jeffery [USA]" userId="820a2c1b-7c6c-4de4-b98e-615da9090dbc" providerId="ADAL" clId="{1465DC27-74A3-468F-A2FF-9342CA94855A}" dt="2020-10-27T22:40:33.737" v="640" actId="1076"/>
-          <ac:spMkLst>
-            <pc:docMk/>
-            <pc:sldMk cId="370480591" sldId="787"/>
-            <ac:spMk id="51" creationId="{4C225B68-B34B-4B4B-8EFC-E8B290EB750D}"/>
-          </ac:spMkLst>
-        </pc:spChg>
-        <pc:spChg chg="mod topLvl">
-          <ac:chgData name="McCracken, Jeffery [USA]" userId="820a2c1b-7c6c-4de4-b98e-615da9090dbc" providerId="ADAL" clId="{1465DC27-74A3-468F-A2FF-9342CA94855A}" dt="2020-10-27T22:40:33.737" v="640" actId="1076"/>
-          <ac:spMkLst>
-            <pc:docMk/>
-            <pc:sldMk cId="370480591" sldId="787"/>
-            <ac:spMk id="52" creationId="{59BF2629-BF77-45B2-AA04-48202CFA84DD}"/>
-          </ac:spMkLst>
-        </pc:spChg>
-        <pc:spChg chg="del mod topLvl">
-          <ac:chgData name="McCracken, Jeffery [USA]" userId="820a2c1b-7c6c-4de4-b98e-615da9090dbc" providerId="ADAL" clId="{1465DC27-74A3-468F-A2FF-9342CA94855A}" dt="2020-10-27T22:38:17.774" v="603" actId="478"/>
-          <ac:spMkLst>
-            <pc:docMk/>
-            <pc:sldMk cId="370480591" sldId="787"/>
-            <ac:spMk id="56" creationId="{3C68CE0D-53AD-436E-81B9-1943F2CE1AE3}"/>
-          </ac:spMkLst>
-        </pc:spChg>
-        <pc:spChg chg="del mod topLvl">
-          <ac:chgData name="McCracken, Jeffery [USA]" userId="820a2c1b-7c6c-4de4-b98e-615da9090dbc" providerId="ADAL" clId="{1465DC27-74A3-468F-A2FF-9342CA94855A}" dt="2020-10-27T22:38:17.774" v="603" actId="478"/>
-          <ac:spMkLst>
-            <pc:docMk/>
-            <pc:sldMk cId="370480591" sldId="787"/>
-            <ac:spMk id="57" creationId="{6BD494A1-872E-4132-8936-E01BF7EADB18}"/>
-          </ac:spMkLst>
-        </pc:spChg>
-        <pc:spChg chg="del mod topLvl">
-          <ac:chgData name="McCracken, Jeffery [USA]" userId="820a2c1b-7c6c-4de4-b98e-615da9090dbc" providerId="ADAL" clId="{1465DC27-74A3-468F-A2FF-9342CA94855A}" dt="2020-10-27T22:38:17.774" v="603" actId="478"/>
-          <ac:spMkLst>
-            <pc:docMk/>
-            <pc:sldMk cId="370480591" sldId="787"/>
-            <ac:spMk id="59" creationId="{51702C8A-C35A-4E8D-B395-E7B90B6FD800}"/>
-          </ac:spMkLst>
-        </pc:spChg>
-        <pc:spChg chg="del mod topLvl">
-          <ac:chgData name="McCracken, Jeffery [USA]" userId="820a2c1b-7c6c-4de4-b98e-615da9090dbc" providerId="ADAL" clId="{1465DC27-74A3-468F-A2FF-9342CA94855A}" dt="2020-10-27T22:38:17.774" v="603" actId="478"/>
-          <ac:spMkLst>
-            <pc:docMk/>
-            <pc:sldMk cId="370480591" sldId="787"/>
-            <ac:spMk id="60" creationId="{553513F9-E887-41B4-A080-141EE17C880A}"/>
-          </ac:spMkLst>
-        </pc:spChg>
-        <pc:spChg chg="del mod topLvl">
-          <ac:chgData name="McCracken, Jeffery [USA]" userId="820a2c1b-7c6c-4de4-b98e-615da9090dbc" providerId="ADAL" clId="{1465DC27-74A3-468F-A2FF-9342CA94855A}" dt="2020-10-27T22:38:17.774" v="603" actId="478"/>
-          <ac:spMkLst>
-            <pc:docMk/>
-            <pc:sldMk cId="370480591" sldId="787"/>
-            <ac:spMk id="62" creationId="{EED47F5E-BEB6-4538-832F-DA605673E74E}"/>
-          </ac:spMkLst>
-        </pc:spChg>
-        <pc:spChg chg="del mod topLvl">
-          <ac:chgData name="McCracken, Jeffery [USA]" userId="820a2c1b-7c6c-4de4-b98e-615da9090dbc" providerId="ADAL" clId="{1465DC27-74A3-468F-A2FF-9342CA94855A}" dt="2020-10-27T22:38:17.774" v="603" actId="478"/>
-          <ac:spMkLst>
-            <pc:docMk/>
-            <pc:sldMk cId="370480591" sldId="787"/>
-            <ac:spMk id="63" creationId="{8BC86E69-95BE-4C39-89F9-3D49EB53D7F4}"/>
-          </ac:spMkLst>
-        </pc:spChg>
-        <pc:spChg chg="del mod topLvl">
-          <ac:chgData name="McCracken, Jeffery [USA]" userId="820a2c1b-7c6c-4de4-b98e-615da9090dbc" providerId="ADAL" clId="{1465DC27-74A3-468F-A2FF-9342CA94855A}" dt="2020-10-27T22:38:17.774" v="603" actId="478"/>
-          <ac:spMkLst>
-            <pc:docMk/>
-            <pc:sldMk cId="370480591" sldId="787"/>
-            <ac:spMk id="64" creationId="{91D195C7-822F-44F7-86DB-6826035EF4EA}"/>
-          </ac:spMkLst>
-        </pc:spChg>
-        <pc:spChg chg="del mod topLvl">
-          <ac:chgData name="McCracken, Jeffery [USA]" userId="820a2c1b-7c6c-4de4-b98e-615da9090dbc" providerId="ADAL" clId="{1465DC27-74A3-468F-A2FF-9342CA94855A}" dt="2020-10-27T22:38:17.774" v="603" actId="478"/>
-          <ac:spMkLst>
-            <pc:docMk/>
-            <pc:sldMk cId="370480591" sldId="787"/>
-            <ac:spMk id="65" creationId="{C24DC2D8-225A-498B-899D-3CD201D46DA9}"/>
-          </ac:spMkLst>
-        </pc:spChg>
-        <pc:spChg chg="del mod topLvl">
-          <ac:chgData name="McCracken, Jeffery [USA]" userId="820a2c1b-7c6c-4de4-b98e-615da9090dbc" providerId="ADAL" clId="{1465DC27-74A3-468F-A2FF-9342CA94855A}" dt="2020-10-27T22:38:17.774" v="603" actId="478"/>
-          <ac:spMkLst>
-            <pc:docMk/>
-            <pc:sldMk cId="370480591" sldId="787"/>
-            <ac:spMk id="76" creationId="{EEE52719-8B4E-42A9-899E-767E7593B75E}"/>
-          </ac:spMkLst>
-        </pc:spChg>
-        <pc:spChg chg="del mod topLvl">
-          <ac:chgData name="McCracken, Jeffery [USA]" userId="820a2c1b-7c6c-4de4-b98e-615da9090dbc" providerId="ADAL" clId="{1465DC27-74A3-468F-A2FF-9342CA94855A}" dt="2020-10-27T22:38:17.774" v="603" actId="478"/>
-          <ac:spMkLst>
-            <pc:docMk/>
-            <pc:sldMk cId="370480591" sldId="787"/>
-            <ac:spMk id="77" creationId="{E9DA6869-66EC-41A7-B0E3-49EE4CBADC89}"/>
-          </ac:spMkLst>
-        </pc:spChg>
-        <pc:spChg chg="del mod topLvl">
-          <ac:chgData name="McCracken, Jeffery [USA]" userId="820a2c1b-7c6c-4de4-b98e-615da9090dbc" providerId="ADAL" clId="{1465DC27-74A3-468F-A2FF-9342CA94855A}" dt="2020-10-27T22:38:17.774" v="603" actId="478"/>
-          <ac:spMkLst>
-            <pc:docMk/>
-            <pc:sldMk cId="370480591" sldId="787"/>
-            <ac:spMk id="78" creationId="{A327B074-8CF6-4F43-B008-90FAFE96236C}"/>
-          </ac:spMkLst>
-        </pc:spChg>
-        <pc:spChg chg="del mod topLvl">
-          <ac:chgData name="McCracken, Jeffery [USA]" userId="820a2c1b-7c6c-4de4-b98e-615da9090dbc" providerId="ADAL" clId="{1465DC27-74A3-468F-A2FF-9342CA94855A}" dt="2020-10-27T22:38:17.774" v="603" actId="478"/>
-          <ac:spMkLst>
-            <pc:docMk/>
-            <pc:sldMk cId="370480591" sldId="787"/>
-            <ac:spMk id="79" creationId="{18CEAAC0-82C0-4116-8E6E-C6D965AA13C2}"/>
-          </ac:spMkLst>
-        </pc:spChg>
-        <pc:spChg chg="mod">
-          <ac:chgData name="McCracken, Jeffery [USA]" userId="820a2c1b-7c6c-4de4-b98e-615da9090dbc" providerId="ADAL" clId="{1465DC27-74A3-468F-A2FF-9342CA94855A}" dt="2020-10-27T22:33:51.528" v="523" actId="20577"/>
-          <ac:spMkLst>
-            <pc:docMk/>
-            <pc:sldMk cId="370480591" sldId="787"/>
-            <ac:spMk id="80" creationId="{5B83B893-B114-4C5D-85FB-CC1215E105DD}"/>
-          </ac:spMkLst>
-        </pc:spChg>
-        <pc:spChg chg="del mod">
-          <ac:chgData name="McCracken, Jeffery [USA]" userId="820a2c1b-7c6c-4de4-b98e-615da9090dbc" providerId="ADAL" clId="{1465DC27-74A3-468F-A2FF-9342CA94855A}" dt="2020-10-27T22:39:04.047" v="622" actId="478"/>
-          <ac:spMkLst>
-            <pc:docMk/>
-            <pc:sldMk cId="370480591" sldId="787"/>
-            <ac:spMk id="81" creationId="{218D9EAA-E508-4CF9-ABB1-E196CFF187DF}"/>
-          </ac:spMkLst>
-        </pc:spChg>
-        <pc:spChg chg="mod">
-          <ac:chgData name="McCracken, Jeffery [USA]" userId="820a2c1b-7c6c-4de4-b98e-615da9090dbc" providerId="ADAL" clId="{1465DC27-74A3-468F-A2FF-9342CA94855A}" dt="2020-10-27T22:34:50.379" v="544" actId="207"/>
-          <ac:spMkLst>
-            <pc:docMk/>
-            <pc:sldMk cId="370480591" sldId="787"/>
-            <ac:spMk id="82" creationId="{BFED8F40-AF34-4DDC-B9F9-FA733143F14C}"/>
-          </ac:spMkLst>
-        </pc:spChg>
-        <pc:spChg chg="mod">
-          <ac:chgData name="McCracken, Jeffery [USA]" userId="820a2c1b-7c6c-4de4-b98e-615da9090dbc" providerId="ADAL" clId="{1465DC27-74A3-468F-A2FF-9342CA94855A}" dt="2020-10-27T22:33:51.522" v="517" actId="20577"/>
-          <ac:spMkLst>
-            <pc:docMk/>
-            <pc:sldMk cId="370480591" sldId="787"/>
-            <ac:spMk id="83" creationId="{A77684E2-BA92-48E0-BE38-3B3771D06D3C}"/>
-          </ac:spMkLst>
-        </pc:spChg>
-        <pc:spChg chg="mod">
-          <ac:chgData name="McCracken, Jeffery [USA]" userId="820a2c1b-7c6c-4de4-b98e-615da9090dbc" providerId="ADAL" clId="{1465DC27-74A3-468F-A2FF-9342CA94855A}" dt="2020-10-27T22:33:51.523" v="518" actId="947"/>
-          <ac:spMkLst>
-            <pc:docMk/>
-            <pc:sldMk cId="370480591" sldId="787"/>
-            <ac:spMk id="84" creationId="{022CB793-BD28-4744-BF5D-AD06FA2904FC}"/>
-          </ac:spMkLst>
-        </pc:spChg>
-        <pc:spChg chg="add del mod">
-          <ac:chgData name="McCracken, Jeffery [USA]" userId="820a2c1b-7c6c-4de4-b98e-615da9090dbc" providerId="ADAL" clId="{1465DC27-74A3-468F-A2FF-9342CA94855A}" dt="2020-10-27T22:36:52.276" v="576" actId="478"/>
-          <ac:spMkLst>
-            <pc:docMk/>
-            <pc:sldMk cId="370480591" sldId="787"/>
-            <ac:spMk id="85" creationId="{CAD79450-001D-4622-AB66-9FB3C998ED79}"/>
-          </ac:spMkLst>
-        </pc:spChg>
-        <pc:spChg chg="add del mod">
-          <ac:chgData name="McCracken, Jeffery [USA]" userId="820a2c1b-7c6c-4de4-b98e-615da9090dbc" providerId="ADAL" clId="{1465DC27-74A3-468F-A2FF-9342CA94855A}" dt="2020-10-27T22:36:51.312" v="575" actId="478"/>
-          <ac:spMkLst>
-            <pc:docMk/>
-            <pc:sldMk cId="370480591" sldId="787"/>
-            <ac:spMk id="86" creationId="{65E9A3B7-08A0-46E4-9C89-22AA12A3E5FD}"/>
-          </ac:spMkLst>
-        </pc:spChg>
-        <pc:spChg chg="add del mod">
-          <ac:chgData name="McCracken, Jeffery [USA]" userId="820a2c1b-7c6c-4de4-b98e-615da9090dbc" providerId="ADAL" clId="{1465DC27-74A3-468F-A2FF-9342CA94855A}" dt="2020-10-27T22:36:49.435" v="573" actId="478"/>
-          <ac:spMkLst>
-            <pc:docMk/>
-            <pc:sldMk cId="370480591" sldId="787"/>
-            <ac:spMk id="87" creationId="{B9089B23-8874-416D-8644-8A47B47A27AE}"/>
-          </ac:spMkLst>
-        </pc:spChg>
-        <pc:spChg chg="add del mod">
-          <ac:chgData name="McCracken, Jeffery [USA]" userId="820a2c1b-7c6c-4de4-b98e-615da9090dbc" providerId="ADAL" clId="{1465DC27-74A3-468F-A2FF-9342CA94855A}" dt="2020-10-27T22:36:50.202" v="574" actId="478"/>
-          <ac:spMkLst>
-            <pc:docMk/>
-            <pc:sldMk cId="370480591" sldId="787"/>
-            <ac:spMk id="88" creationId="{2D8D6E9D-6BF0-4997-99C2-62CE09CA89E0}"/>
-          </ac:spMkLst>
-        </pc:spChg>
-        <pc:grpChg chg="add del mod">
-          <ac:chgData name="McCracken, Jeffery [USA]" userId="820a2c1b-7c6c-4de4-b98e-615da9090dbc" providerId="ADAL" clId="{1465DC27-74A3-468F-A2FF-9342CA94855A}" dt="2020-10-27T22:39:05.089" v="623" actId="478"/>
-          <ac:grpSpMkLst>
-            <pc:docMk/>
-            <pc:sldMk cId="370480591" sldId="787"/>
-            <ac:grpSpMk id="6" creationId="{71823894-AB4C-4137-81C2-70F7546BF897}"/>
-          </ac:grpSpMkLst>
-        </pc:grpChg>
-        <pc:grpChg chg="add del mod">
-          <ac:chgData name="McCracken, Jeffery [USA]" userId="820a2c1b-7c6c-4de4-b98e-615da9090dbc" providerId="ADAL" clId="{1465DC27-74A3-468F-A2FF-9342CA94855A}" dt="2020-10-27T22:28:28.746" v="428"/>
-          <ac:grpSpMkLst>
-            <pc:docMk/>
-            <pc:sldMk cId="370480591" sldId="787"/>
-            <ac:grpSpMk id="11" creationId="{D7C8789C-C854-45A5-8F21-E44806D48378}"/>
-          </ac:grpSpMkLst>
-        </pc:grpChg>
-        <pc:grpChg chg="mod topLvl">
-          <ac:chgData name="McCracken, Jeffery [USA]" userId="820a2c1b-7c6c-4de4-b98e-615da9090dbc" providerId="ADAL" clId="{1465DC27-74A3-468F-A2FF-9342CA94855A}" dt="2020-10-27T22:28:28.746" v="428"/>
-          <ac:grpSpMkLst>
-            <pc:docMk/>
-            <pc:sldMk cId="370480591" sldId="787"/>
-            <ac:grpSpMk id="18" creationId="{DA166318-FEE3-4126-A231-C2E919B4FC27}"/>
-          </ac:grpSpMkLst>
-        </pc:grpChg>
-        <pc:grpChg chg="mod topLvl">
-          <ac:chgData name="McCracken, Jeffery [USA]" userId="820a2c1b-7c6c-4de4-b98e-615da9090dbc" providerId="ADAL" clId="{1465DC27-74A3-468F-A2FF-9342CA94855A}" dt="2020-10-27T22:28:28.746" v="428"/>
-          <ac:grpSpMkLst>
-            <pc:docMk/>
-            <pc:sldMk cId="370480591" sldId="787"/>
-            <ac:grpSpMk id="22" creationId="{3330DBE8-B14F-48C7-8F9B-4ACB6AF17DEE}"/>
-          </ac:grpSpMkLst>
-        </pc:grpChg>
-        <pc:grpChg chg="add del mod">
-          <ac:chgData name="McCracken, Jeffery [USA]" userId="820a2c1b-7c6c-4de4-b98e-615da9090dbc" providerId="ADAL" clId="{1465DC27-74A3-468F-A2FF-9342CA94855A}" dt="2020-10-27T22:29:07.871" v="455"/>
-          <ac:grpSpMkLst>
-            <pc:docMk/>
-            <pc:sldMk cId="370480591" sldId="787"/>
-            <ac:grpSpMk id="48" creationId="{41A9DAD0-861C-4E16-B3EA-8EBA74265DF0}"/>
-          </ac:grpSpMkLst>
-        </pc:grpChg>
-        <pc:grpChg chg="add del mod">
-          <ac:chgData name="McCracken, Jeffery [USA]" userId="820a2c1b-7c6c-4de4-b98e-615da9090dbc" providerId="ADAL" clId="{1465DC27-74A3-468F-A2FF-9342CA94855A}" dt="2020-10-27T22:33:51.546" v="536"/>
-          <ac:grpSpMkLst>
-            <pc:docMk/>
-            <pc:sldMk cId="370480591" sldId="787"/>
-            <ac:grpSpMk id="54" creationId="{E947511E-BA33-496E-877C-E920D439127C}"/>
-          </ac:grpSpMkLst>
-        </pc:grpChg>
-        <pc:grpChg chg="del mod topLvl">
-          <ac:chgData name="McCracken, Jeffery [USA]" userId="820a2c1b-7c6c-4de4-b98e-615da9090dbc" providerId="ADAL" clId="{1465DC27-74A3-468F-A2FF-9342CA94855A}" dt="2020-10-27T22:38:17.774" v="603" actId="478"/>
-          <ac:grpSpMkLst>
-            <pc:docMk/>
-            <pc:sldMk cId="370480591" sldId="787"/>
-            <ac:grpSpMk id="58" creationId="{619A4758-B226-41BE-8B34-D0BF23D015D7}"/>
-          </ac:grpSpMkLst>
-        </pc:grpChg>
-        <pc:grpChg chg="mod topLvl">
-          <ac:chgData name="McCracken, Jeffery [USA]" userId="820a2c1b-7c6c-4de4-b98e-615da9090dbc" providerId="ADAL" clId="{1465DC27-74A3-468F-A2FF-9342CA94855A}" dt="2020-10-27T22:38:00.787" v="601" actId="164"/>
-          <ac:grpSpMkLst>
-            <pc:docMk/>
-            <pc:sldMk cId="370480591" sldId="787"/>
-            <ac:grpSpMk id="61" creationId="{2BDD8B25-FBA1-42F4-958D-04084E155628}"/>
-          </ac:grpSpMkLst>
-        </pc:grpChg>
-        <pc:picChg chg="del">
-          <ac:chgData name="McCracken, Jeffery [USA]" userId="820a2c1b-7c6c-4de4-b98e-615da9090dbc" providerId="ADAL" clId="{1465DC27-74A3-468F-A2FF-9342CA94855A}" dt="2020-10-27T22:14:20.898" v="0" actId="478"/>
-          <ac:picMkLst>
-            <pc:docMk/>
-            <pc:sldMk cId="370480591" sldId="787"/>
-            <ac:picMk id="12" creationId="{8449AB03-6AC3-4CB9-804C-BCCED3BCB755}"/>
-          </ac:picMkLst>
-        </pc:picChg>
-        <pc:picChg chg="add mod ord">
-          <ac:chgData name="McCracken, Jeffery [USA]" userId="820a2c1b-7c6c-4de4-b98e-615da9090dbc" providerId="ADAL" clId="{1465DC27-74A3-468F-A2FF-9342CA94855A}" dt="2020-10-27T22:38:00.787" v="601" actId="164"/>
-          <ac:picMkLst>
-            <pc:docMk/>
-            <pc:sldMk cId="370480591" sldId="787"/>
-            <ac:picMk id="53" creationId="{C5A32258-ADB3-4A7A-9C11-E4C2866D780F}"/>
-          </ac:picMkLst>
-        </pc:picChg>
-        <pc:cxnChg chg="mod topLvl">
-          <ac:chgData name="McCracken, Jeffery [USA]" userId="820a2c1b-7c6c-4de4-b98e-615da9090dbc" providerId="ADAL" clId="{1465DC27-74A3-468F-A2FF-9342CA94855A}" dt="2020-10-27T22:28:28.746" v="428"/>
-          <ac:cxnSpMkLst>
-            <pc:docMk/>
-            <pc:sldMk cId="370480591" sldId="787"/>
-            <ac:cxnSpMk id="13" creationId="{BA515956-7B0C-49B9-8298-2BA672E02422}"/>
-          </ac:cxnSpMkLst>
-        </pc:cxnChg>
-        <pc:cxnChg chg="mod topLvl">
-          <ac:chgData name="McCracken, Jeffery [USA]" userId="820a2c1b-7c6c-4de4-b98e-615da9090dbc" providerId="ADAL" clId="{1465DC27-74A3-468F-A2FF-9342CA94855A}" dt="2020-10-27T22:28:28.746" v="428"/>
-          <ac:cxnSpMkLst>
-            <pc:docMk/>
-            <pc:sldMk cId="370480591" sldId="787"/>
-            <ac:cxnSpMk id="27" creationId="{C04FDA87-BCDF-42E5-87BF-A679A90E9911}"/>
-          </ac:cxnSpMkLst>
-        </pc:cxnChg>
-        <pc:cxnChg chg="mod topLvl">
-          <ac:chgData name="McCracken, Jeffery [USA]" userId="820a2c1b-7c6c-4de4-b98e-615da9090dbc" providerId="ADAL" clId="{1465DC27-74A3-468F-A2FF-9342CA94855A}" dt="2020-10-27T22:28:28.746" v="428"/>
-          <ac:cxnSpMkLst>
-            <pc:docMk/>
-            <pc:sldMk cId="370480591" sldId="787"/>
-            <ac:cxnSpMk id="28" creationId="{739E26E4-B1E9-41CE-8F5F-27AC68206420}"/>
-          </ac:cxnSpMkLst>
-        </pc:cxnChg>
-        <pc:cxnChg chg="mod topLvl">
-          <ac:chgData name="McCracken, Jeffery [USA]" userId="820a2c1b-7c6c-4de4-b98e-615da9090dbc" providerId="ADAL" clId="{1465DC27-74A3-468F-A2FF-9342CA94855A}" dt="2020-10-27T22:28:28.746" v="428"/>
-          <ac:cxnSpMkLst>
-            <pc:docMk/>
-            <pc:sldMk cId="370480591" sldId="787"/>
-            <ac:cxnSpMk id="29" creationId="{606A2298-6D81-4699-8FC2-491D5A573720}"/>
-          </ac:cxnSpMkLst>
-        </pc:cxnChg>
-        <pc:cxnChg chg="mod topLvl">
-          <ac:chgData name="McCracken, Jeffery [USA]" userId="820a2c1b-7c6c-4de4-b98e-615da9090dbc" providerId="ADAL" clId="{1465DC27-74A3-468F-A2FF-9342CA94855A}" dt="2020-10-27T22:28:28.746" v="428"/>
-          <ac:cxnSpMkLst>
-            <pc:docMk/>
-            <pc:sldMk cId="370480591" sldId="787"/>
-            <ac:cxnSpMk id="30" creationId="{14DB7656-57E3-4B04-9CA9-9400109F72D2}"/>
-          </ac:cxnSpMkLst>
-        </pc:cxnChg>
-        <pc:cxnChg chg="mod topLvl">
-          <ac:chgData name="McCracken, Jeffery [USA]" userId="820a2c1b-7c6c-4de4-b98e-615da9090dbc" providerId="ADAL" clId="{1465DC27-74A3-468F-A2FF-9342CA94855A}" dt="2020-10-27T22:28:28.746" v="428"/>
-          <ac:cxnSpMkLst>
-            <pc:docMk/>
-            <pc:sldMk cId="370480591" sldId="787"/>
-            <ac:cxnSpMk id="31" creationId="{8DC7DE42-2CB3-4596-B4BD-1D2A4AA56742}"/>
-          </ac:cxnSpMkLst>
-        </pc:cxnChg>
-        <pc:cxnChg chg="mod topLvl">
-          <ac:chgData name="McCracken, Jeffery [USA]" userId="820a2c1b-7c6c-4de4-b98e-615da9090dbc" providerId="ADAL" clId="{1465DC27-74A3-468F-A2FF-9342CA94855A}" dt="2020-10-27T22:28:28.746" v="428"/>
-          <ac:cxnSpMkLst>
-            <pc:docMk/>
-            <pc:sldMk cId="370480591" sldId="787"/>
-            <ac:cxnSpMk id="32" creationId="{59A000CD-A8F1-4CC4-95AD-7840A3A62164}"/>
-          </ac:cxnSpMkLst>
-        </pc:cxnChg>
-        <pc:cxnChg chg="mod topLvl">
-          <ac:chgData name="McCracken, Jeffery [USA]" userId="820a2c1b-7c6c-4de4-b98e-615da9090dbc" providerId="ADAL" clId="{1465DC27-74A3-468F-A2FF-9342CA94855A}" dt="2020-10-27T22:28:28.746" v="428"/>
-          <ac:cxnSpMkLst>
-            <pc:docMk/>
-            <pc:sldMk cId="370480591" sldId="787"/>
-            <ac:cxnSpMk id="33" creationId="{78CD31E9-154A-4FA9-9C3F-1604F8D46931}"/>
-          </ac:cxnSpMkLst>
-        </pc:cxnChg>
-        <pc:cxnChg chg="mod topLvl">
-          <ac:chgData name="McCracken, Jeffery [USA]" userId="820a2c1b-7c6c-4de4-b98e-615da9090dbc" providerId="ADAL" clId="{1465DC27-74A3-468F-A2FF-9342CA94855A}" dt="2020-10-27T22:28:28.746" v="428"/>
-          <ac:cxnSpMkLst>
-            <pc:docMk/>
-            <pc:sldMk cId="370480591" sldId="787"/>
-            <ac:cxnSpMk id="34" creationId="{D76FA746-156C-4C95-B130-FAA7512613EE}"/>
-          </ac:cxnSpMkLst>
-        </pc:cxnChg>
-        <pc:cxnChg chg="mod topLvl">
-          <ac:chgData name="McCracken, Jeffery [USA]" userId="820a2c1b-7c6c-4de4-b98e-615da9090dbc" providerId="ADAL" clId="{1465DC27-74A3-468F-A2FF-9342CA94855A}" dt="2020-10-27T22:28:28.746" v="428"/>
-          <ac:cxnSpMkLst>
-            <pc:docMk/>
-            <pc:sldMk cId="370480591" sldId="787"/>
-            <ac:cxnSpMk id="35" creationId="{51F51C0A-62B9-4A0D-9957-761490697178}"/>
-          </ac:cxnSpMkLst>
-        </pc:cxnChg>
-        <pc:cxnChg chg="mod topLvl">
-          <ac:chgData name="McCracken, Jeffery [USA]" userId="820a2c1b-7c6c-4de4-b98e-615da9090dbc" providerId="ADAL" clId="{1465DC27-74A3-468F-A2FF-9342CA94855A}" dt="2020-10-27T22:28:28.746" v="428"/>
-          <ac:cxnSpMkLst>
-            <pc:docMk/>
-            <pc:sldMk cId="370480591" sldId="787"/>
-            <ac:cxnSpMk id="36" creationId="{B9B342AB-6799-4202-A093-28772A0A528F}"/>
-          </ac:cxnSpMkLst>
-        </pc:cxnChg>
-        <pc:cxnChg chg="del mod topLvl">
-          <ac:chgData name="McCracken, Jeffery [USA]" userId="820a2c1b-7c6c-4de4-b98e-615da9090dbc" providerId="ADAL" clId="{1465DC27-74A3-468F-A2FF-9342CA94855A}" dt="2020-10-27T22:38:17.774" v="603" actId="478"/>
-          <ac:cxnSpMkLst>
-            <pc:docMk/>
-            <pc:sldMk cId="370480591" sldId="787"/>
-            <ac:cxnSpMk id="55" creationId="{CFAEFD72-B561-43C2-AD1E-ADF467BD3043}"/>
-          </ac:cxnSpMkLst>
-        </pc:cxnChg>
-        <pc:cxnChg chg="del mod topLvl">
-          <ac:chgData name="McCracken, Jeffery [USA]" userId="820a2c1b-7c6c-4de4-b98e-615da9090dbc" providerId="ADAL" clId="{1465DC27-74A3-468F-A2FF-9342CA94855A}" dt="2020-10-27T22:38:17.774" v="603" actId="478"/>
-          <ac:cxnSpMkLst>
-            <pc:docMk/>
-            <pc:sldMk cId="370480591" sldId="787"/>
-            <ac:cxnSpMk id="66" creationId="{E8AD8CBD-9144-49BA-BD1A-48CAB926FB24}"/>
-          </ac:cxnSpMkLst>
-        </pc:cxnChg>
-        <pc:cxnChg chg="del mod topLvl">
-          <ac:chgData name="McCracken, Jeffery [USA]" userId="820a2c1b-7c6c-4de4-b98e-615da9090dbc" providerId="ADAL" clId="{1465DC27-74A3-468F-A2FF-9342CA94855A}" dt="2020-10-27T22:38:17.774" v="603" actId="478"/>
-          <ac:cxnSpMkLst>
-            <pc:docMk/>
-            <pc:sldMk cId="370480591" sldId="787"/>
-            <ac:cxnSpMk id="67" creationId="{D337B280-0600-4E2C-8578-817FFA85852C}"/>
-          </ac:cxnSpMkLst>
-        </pc:cxnChg>
-        <pc:cxnChg chg="del mod topLvl">
-          <ac:chgData name="McCracken, Jeffery [USA]" userId="820a2c1b-7c6c-4de4-b98e-615da9090dbc" providerId="ADAL" clId="{1465DC27-74A3-468F-A2FF-9342CA94855A}" dt="2020-10-27T22:38:17.774" v="603" actId="478"/>
-          <ac:cxnSpMkLst>
-            <pc:docMk/>
-            <pc:sldMk cId="370480591" sldId="787"/>
-            <ac:cxnSpMk id="68" creationId="{EC9C1A4F-F10F-48E5-B696-E308DE4B194B}"/>
-          </ac:cxnSpMkLst>
-        </pc:cxnChg>
-        <pc:cxnChg chg="del mod topLvl">
-          <ac:chgData name="McCracken, Jeffery [USA]" userId="820a2c1b-7c6c-4de4-b98e-615da9090dbc" providerId="ADAL" clId="{1465DC27-74A3-468F-A2FF-9342CA94855A}" dt="2020-10-27T22:38:17.774" v="603" actId="478"/>
-          <ac:cxnSpMkLst>
-            <pc:docMk/>
-            <pc:sldMk cId="370480591" sldId="787"/>
-            <ac:cxnSpMk id="69" creationId="{6E68156C-D19D-4759-A95B-82BD90B4A43C}"/>
-          </ac:cxnSpMkLst>
-        </pc:cxnChg>
-        <pc:cxnChg chg="del mod topLvl">
-          <ac:chgData name="McCracken, Jeffery [USA]" userId="820a2c1b-7c6c-4de4-b98e-615da9090dbc" providerId="ADAL" clId="{1465DC27-74A3-468F-A2FF-9342CA94855A}" dt="2020-10-27T22:38:17.774" v="603" actId="478"/>
-          <ac:cxnSpMkLst>
-            <pc:docMk/>
-            <pc:sldMk cId="370480591" sldId="787"/>
-            <ac:cxnSpMk id="70" creationId="{114DF7DA-6EBD-4230-9C56-E0E41B538B93}"/>
-          </ac:cxnSpMkLst>
-        </pc:cxnChg>
-        <pc:cxnChg chg="del mod topLvl">
-          <ac:chgData name="McCracken, Jeffery [USA]" userId="820a2c1b-7c6c-4de4-b98e-615da9090dbc" providerId="ADAL" clId="{1465DC27-74A3-468F-A2FF-9342CA94855A}" dt="2020-10-27T22:38:17.774" v="603" actId="478"/>
-          <ac:cxnSpMkLst>
-            <pc:docMk/>
-            <pc:sldMk cId="370480591" sldId="787"/>
-            <ac:cxnSpMk id="71" creationId="{58E83FEC-69C0-441D-8D3A-16B8DDBD8280}"/>
-          </ac:cxnSpMkLst>
-        </pc:cxnChg>
-        <pc:cxnChg chg="del mod topLvl">
-          <ac:chgData name="McCracken, Jeffery [USA]" userId="820a2c1b-7c6c-4de4-b98e-615da9090dbc" providerId="ADAL" clId="{1465DC27-74A3-468F-A2FF-9342CA94855A}" dt="2020-10-27T22:38:17.774" v="603" actId="478"/>
-          <ac:cxnSpMkLst>
-            <pc:docMk/>
-            <pc:sldMk cId="370480591" sldId="787"/>
-            <ac:cxnSpMk id="72" creationId="{3D80B72E-F2A1-45D8-9F2B-A21533D78AA6}"/>
-          </ac:cxnSpMkLst>
-        </pc:cxnChg>
-        <pc:cxnChg chg="del mod topLvl">
-          <ac:chgData name="McCracken, Jeffery [USA]" userId="820a2c1b-7c6c-4de4-b98e-615da9090dbc" providerId="ADAL" clId="{1465DC27-74A3-468F-A2FF-9342CA94855A}" dt="2020-10-27T22:38:17.774" v="603" actId="478"/>
-          <ac:cxnSpMkLst>
-            <pc:docMk/>
-            <pc:sldMk cId="370480591" sldId="787"/>
-            <ac:cxnSpMk id="73" creationId="{01D38BCD-3915-406B-8EF9-1B9568F17452}"/>
-          </ac:cxnSpMkLst>
-        </pc:cxnChg>
-        <pc:cxnChg chg="del mod topLvl">
-          <ac:chgData name="McCracken, Jeffery [USA]" userId="820a2c1b-7c6c-4de4-b98e-615da9090dbc" providerId="ADAL" clId="{1465DC27-74A3-468F-A2FF-9342CA94855A}" dt="2020-10-27T22:38:17.774" v="603" actId="478"/>
-          <ac:cxnSpMkLst>
-            <pc:docMk/>
-            <pc:sldMk cId="370480591" sldId="787"/>
-            <ac:cxnSpMk id="74" creationId="{3084B0B7-7047-4ACA-9013-4D681DE03A9E}"/>
-          </ac:cxnSpMkLst>
-        </pc:cxnChg>
-        <pc:cxnChg chg="del mod topLvl">
-          <ac:chgData name="McCracken, Jeffery [USA]" userId="820a2c1b-7c6c-4de4-b98e-615da9090dbc" providerId="ADAL" clId="{1465DC27-74A3-468F-A2FF-9342CA94855A}" dt="2020-10-27T22:38:17.774" v="603" actId="478"/>
-          <ac:cxnSpMkLst>
-            <pc:docMk/>
-            <pc:sldMk cId="370480591" sldId="787"/>
-            <ac:cxnSpMk id="75" creationId="{250F4727-6BE4-46E6-AB94-A26E62C619E9}"/>
-          </ac:cxnSpMkLst>
-        </pc:cxnChg>
-      </pc:sldChg>
-      <pc:sldChg chg="addSp delSp modSp add">
-        <pc:chgData name="McCracken, Jeffery [USA]" userId="820a2c1b-7c6c-4de4-b98e-615da9090dbc" providerId="ADAL" clId="{1465DC27-74A3-468F-A2FF-9342CA94855A}" dt="2020-10-27T23:45:07.626" v="661" actId="14861"/>
-        <pc:sldMkLst>
-          <pc:docMk/>
-          <pc:sldMk cId="3220261118" sldId="804"/>
-        </pc:sldMkLst>
-        <pc:spChg chg="del">
-          <ac:chgData name="McCracken, Jeffery [USA]" userId="820a2c1b-7c6c-4de4-b98e-615da9090dbc" providerId="ADAL" clId="{1465DC27-74A3-468F-A2FF-9342CA94855A}" dt="2020-10-27T23:44:36.899" v="652" actId="478"/>
-          <ac:spMkLst>
-            <pc:docMk/>
-            <pc:sldMk cId="3220261118" sldId="804"/>
-            <ac:spMk id="5" creationId="{D4D0A655-679F-4A7C-85E7-8AB478177434}"/>
-          </ac:spMkLst>
-        </pc:spChg>
-        <pc:spChg chg="mod">
-          <ac:chgData name="McCracken, Jeffery [USA]" userId="820a2c1b-7c6c-4de4-b98e-615da9090dbc" providerId="ADAL" clId="{1465DC27-74A3-468F-A2FF-9342CA94855A}" dt="2020-10-27T23:44:40.405" v="656" actId="20577"/>
-          <ac:spMkLst>
-            <pc:docMk/>
-            <pc:sldMk cId="3220261118" sldId="804"/>
-            <ac:spMk id="9" creationId="{45836CEC-C857-420C-AE4D-DF7422203A40}"/>
-          </ac:spMkLst>
-        </pc:spChg>
-        <pc:spChg chg="del">
-          <ac:chgData name="McCracken, Jeffery [USA]" userId="820a2c1b-7c6c-4de4-b98e-615da9090dbc" providerId="ADAL" clId="{1465DC27-74A3-468F-A2FF-9342CA94855A}" dt="2020-10-27T23:44:36.899" v="652" actId="478"/>
-          <ac:spMkLst>
-            <pc:docMk/>
-            <pc:sldMk cId="3220261118" sldId="804"/>
-            <ac:spMk id="16" creationId="{E283C77F-6E23-4B8D-AFD3-12007426822C}"/>
-          </ac:spMkLst>
-        </pc:spChg>
-        <pc:spChg chg="del">
-          <ac:chgData name="McCracken, Jeffery [USA]" userId="820a2c1b-7c6c-4de4-b98e-615da9090dbc" providerId="ADAL" clId="{1465DC27-74A3-468F-A2FF-9342CA94855A}" dt="2020-10-27T23:44:36.899" v="652" actId="478"/>
-          <ac:spMkLst>
-            <pc:docMk/>
-            <pc:sldMk cId="3220261118" sldId="804"/>
-            <ac:spMk id="49" creationId="{F3C26CD8-A7C2-4B8C-BACA-D1FD98ED2B8B}"/>
-          </ac:spMkLst>
-        </pc:spChg>
-        <pc:spChg chg="del">
-          <ac:chgData name="McCracken, Jeffery [USA]" userId="820a2c1b-7c6c-4de4-b98e-615da9090dbc" providerId="ADAL" clId="{1465DC27-74A3-468F-A2FF-9342CA94855A}" dt="2020-10-27T23:44:36.899" v="652" actId="478"/>
-          <ac:spMkLst>
-            <pc:docMk/>
-            <pc:sldMk cId="3220261118" sldId="804"/>
-            <ac:spMk id="50" creationId="{74EEEA6F-BC83-43FA-A3C4-6676527F69FA}"/>
-          </ac:spMkLst>
-        </pc:spChg>
-        <pc:spChg chg="del">
-          <ac:chgData name="McCracken, Jeffery [USA]" userId="820a2c1b-7c6c-4de4-b98e-615da9090dbc" providerId="ADAL" clId="{1465DC27-74A3-468F-A2FF-9342CA94855A}" dt="2020-10-27T23:44:36.899" v="652" actId="478"/>
-          <ac:spMkLst>
-            <pc:docMk/>
-            <pc:sldMk cId="3220261118" sldId="804"/>
-            <ac:spMk id="51" creationId="{4C225B68-B34B-4B4B-8EFC-E8B290EB750D}"/>
-          </ac:spMkLst>
-        </pc:spChg>
-        <pc:spChg chg="del">
-          <ac:chgData name="McCracken, Jeffery [USA]" userId="820a2c1b-7c6c-4de4-b98e-615da9090dbc" providerId="ADAL" clId="{1465DC27-74A3-468F-A2FF-9342CA94855A}" dt="2020-10-27T23:44:36.899" v="652" actId="478"/>
-          <ac:spMkLst>
-            <pc:docMk/>
-            <pc:sldMk cId="3220261118" sldId="804"/>
-            <ac:spMk id="52" creationId="{59BF2629-BF77-45B2-AA04-48202CFA84DD}"/>
-          </ac:spMkLst>
-        </pc:spChg>
-        <pc:picChg chg="add mod">
-          <ac:chgData name="McCracken, Jeffery [USA]" userId="820a2c1b-7c6c-4de4-b98e-615da9090dbc" providerId="ADAL" clId="{1465DC27-74A3-468F-A2FF-9342CA94855A}" dt="2020-10-27T23:45:07.626" v="661" actId="14861"/>
-          <ac:picMkLst>
-            <pc:docMk/>
-            <pc:sldMk cId="3220261118" sldId="804"/>
-            <ac:picMk id="6" creationId="{B5729C8D-D795-4C44-8FC7-2BED047A60ED}"/>
           </ac:picMkLst>
         </pc:picChg>
       </pc:sldChg>
@@ -33089,6 +33089,49 @@
           </a:p>
         </p:txBody>
       </p:sp>
+      <p:sp>
+        <p:nvSpPr>
+          <p:cNvPr id="9" name="TextBox 8">
+            <a:extLst>
+              <a:ext uri="{FF2B5EF4-FFF2-40B4-BE49-F238E27FC236}">
+                <a16:creationId xmlns:a16="http://schemas.microsoft.com/office/drawing/2014/main" id="{54C1AB51-125F-4FA1-8F60-32F50DA21CF7}"/>
+              </a:ext>
+            </a:extLst>
+          </p:cNvPr>
+          <p:cNvSpPr txBox="1"/>
+          <p:nvPr/>
+        </p:nvSpPr>
+        <p:spPr>
+          <a:xfrm>
+            <a:off x="645886" y="6054390"/>
+            <a:ext cx="8937062" cy="230832"/>
+          </a:xfrm>
+          <a:prstGeom prst="rect">
+            <a:avLst/>
+          </a:prstGeom>
+          <a:noFill/>
+        </p:spPr>
+        <p:txBody>
+          <a:bodyPr wrap="none" rtlCol="0">
+            <a:spAutoFit/>
+          </a:bodyPr>
+          <a:lstStyle/>
+          <a:p>
+            <a:r>
+              <a:rPr lang="en-US" sz="900" dirty="0"/>
+              <a:t>Project Tools Summary: Workday, .CSV, CLI, AWS (CloudFormation, S3, Lambda, DynamoDB, API Gateway, API Key. Management Console, Cost Explorer), GitHub, </a:t>
+            </a:r>
+            <a:r>
+              <a:rPr lang="en-US" sz="900" dirty="0" err="1"/>
+              <a:t>Webex</a:t>
+            </a:r>
+            <a:r>
+              <a:rPr lang="en-US" sz="900" dirty="0"/>
+              <a:t>, MS Teams, Zoom)</a:t>
+            </a:r>
+          </a:p>
+        </p:txBody>
+      </p:sp>
     </p:spTree>
     <p:extLst>
       <p:ext uri="{BB962C8B-B14F-4D97-AF65-F5344CB8AC3E}">
@@ -43798,8 +43841,8 @@
         </p:nvSpPr>
         <p:spPr>
           <a:xfrm>
-            <a:off x="1873462" y="6436771"/>
-            <a:ext cx="7697941" cy="230832"/>
+            <a:off x="728243" y="6428251"/>
+            <a:ext cx="8937062" cy="230832"/>
           </a:xfrm>
           <a:prstGeom prst="rect">
             <a:avLst/>
@@ -43813,15 +43856,15 @@
           <a:lstStyle/>
           <a:p>
             <a:r>
-              <a:rPr lang="en-US" sz="900"/>
-              <a:t>Tools: Workday, .CSV, CLI, AWS: CloudFormation, S3, Lambda, DynamoDB, API Gateway, API Key. Management Console, Cost Explorer, </a:t>
-            </a:r>
-            <a:r>
-              <a:rPr lang="en-US" sz="900" err="1"/>
+              <a:rPr lang="en-US" sz="900" dirty="0"/>
+              <a:t>Project Tools Summary: Workday, .CSV, CLI, AWS (CloudFormation, S3, Lambda, DynamoDB, API Gateway, API Key. Management Console, Cost Explorer), GitHub, </a:t>
+            </a:r>
+            <a:r>
+              <a:rPr lang="en-US" sz="900" dirty="0" err="1"/>
               <a:t>Webex</a:t>
             </a:r>
             <a:r>
-              <a:rPr lang="en-US" sz="900"/>
+              <a:rPr lang="en-US" sz="900" dirty="0"/>
               <a:t>, MS Teams, Zoom)</a:t>
             </a:r>
           </a:p>
@@ -45874,6 +45917,12 @@
 </file>
 
 <file path=customXml/item2.xml><?xml version="1.0" encoding="utf-8"?>
+<p:properties xmlns:p="http://schemas.microsoft.com/office/2006/metadata/properties" xmlns:xsi="http://www.w3.org/2001/XMLSchema-instance" xmlns:pc="http://schemas.microsoft.com/office/infopath/2007/PartnerControls">
+  <documentManagement/>
+</p:properties>
+</file>
+
+<file path=customXml/item3.xml><?xml version="1.0" encoding="utf-8"?>
 <ct:contentTypeSchema xmlns:ct="http://schemas.microsoft.com/office/2006/metadata/contentType" xmlns:ma="http://schemas.microsoft.com/office/2006/metadata/properties/metaAttributes" ct:_="" ma:_="" ma:contentTypeName="Document" ma:contentTypeID="0x010100169073C854B8E043BE34FD2C535737F7" ma:contentTypeVersion="2" ma:contentTypeDescription="Create a new document." ma:contentTypeScope="" ma:versionID="76f3cdb279e1c6926d04f90d0f73144f">
   <xsd:schema xmlns:xsd="http://www.w3.org/2001/XMLSchema" xmlns:xs="http://www.w3.org/2001/XMLSchema" xmlns:p="http://schemas.microsoft.com/office/2006/metadata/properties" xmlns:ns2="cd85bc41-0f11-47fb-a328-d9241374e1e3" targetNamespace="http://schemas.microsoft.com/office/2006/metadata/properties" ma:root="true" ma:fieldsID="ee1af728da49081a84f55acfd37c2f97" ns2:_="">
     <xsd:import namespace="cd85bc41-0f11-47fb-a328-d9241374e1e3"/>
@@ -46005,12 +46054,6 @@
 </ct:contentTypeSchema>
 </file>
 
-<file path=customXml/item3.xml><?xml version="1.0" encoding="utf-8"?>
-<p:properties xmlns:p="http://schemas.microsoft.com/office/2006/metadata/properties" xmlns:xsi="http://www.w3.org/2001/XMLSchema-instance" xmlns:pc="http://schemas.microsoft.com/office/infopath/2007/PartnerControls">
-  <documentManagement/>
-</p:properties>
-</file>
-
 <file path=customXml/itemProps1.xml><?xml version="1.0" encoding="utf-8"?>
 <ds:datastoreItem xmlns:ds="http://schemas.openxmlformats.org/officeDocument/2006/customXml" ds:itemID="{0C84F2E2-BAA8-49A7-BAC5-22DE4608063D}">
   <ds:schemaRefs>
@@ -46020,6 +46063,22 @@
 </file>
 
 <file path=customXml/itemProps2.xml><?xml version="1.0" encoding="utf-8"?>
+<ds:datastoreItem xmlns:ds="http://schemas.openxmlformats.org/officeDocument/2006/customXml" ds:itemID="{6542BA82-120A-4370-AE20-2DC63849A3E2}">
+  <ds:schemaRefs>
+    <ds:schemaRef ds:uri="cd85bc41-0f11-47fb-a328-d9241374e1e3"/>
+    <ds:schemaRef ds:uri="http://purl.org/dc/dcmitype/"/>
+    <ds:schemaRef ds:uri="http://purl.org/dc/elements/1.1/"/>
+    <ds:schemaRef ds:uri="http://purl.org/dc/terms/"/>
+    <ds:schemaRef ds:uri="http://schemas.microsoft.com/office/2006/documentManagement/types"/>
+    <ds:schemaRef ds:uri="http://schemas.microsoft.com/office/2006/metadata/properties"/>
+    <ds:schemaRef ds:uri="http://schemas.microsoft.com/office/infopath/2007/PartnerControls"/>
+    <ds:schemaRef ds:uri="http://schemas.openxmlformats.org/package/2006/metadata/core-properties"/>
+    <ds:schemaRef ds:uri="http://www.w3.org/XML/1998/namespace"/>
+  </ds:schemaRefs>
+</ds:datastoreItem>
+</file>
+
+<file path=customXml/itemProps3.xml><?xml version="1.0" encoding="utf-8"?>
 <ds:datastoreItem xmlns:ds="http://schemas.openxmlformats.org/officeDocument/2006/customXml" ds:itemID="{DCAD707A-DE12-434A-8707-92E27409C31A}">
   <ds:schemaRefs>
     <ds:schemaRef ds:uri="cd85bc41-0f11-47fb-a328-d9241374e1e3"/>
@@ -46035,20 +46094,4 @@
     <ds:schemaRef ds:uri="http://www.w3.org/2001/XMLSchema"/>
   </ds:schemaRefs>
 </ds:datastoreItem>
-</file>
-
-<file path=customXml/itemProps3.xml><?xml version="1.0" encoding="utf-8"?>
-<ds:datastoreItem xmlns:ds="http://schemas.openxmlformats.org/officeDocument/2006/customXml" ds:itemID="{6542BA82-120A-4370-AE20-2DC63849A3E2}">
-  <ds:schemaRefs>
-    <ds:schemaRef ds:uri="cd85bc41-0f11-47fb-a328-d9241374e1e3"/>
-    <ds:schemaRef ds:uri="http://purl.org/dc/dcmitype/"/>
-    <ds:schemaRef ds:uri="http://purl.org/dc/elements/1.1/"/>
-    <ds:schemaRef ds:uri="http://purl.org/dc/terms/"/>
-    <ds:schemaRef ds:uri="http://schemas.microsoft.com/office/2006/documentManagement/types"/>
-    <ds:schemaRef ds:uri="http://schemas.microsoft.com/office/2006/metadata/properties"/>
-    <ds:schemaRef ds:uri="http://schemas.microsoft.com/office/infopath/2007/PartnerControls"/>
-    <ds:schemaRef ds:uri="http://schemas.openxmlformats.org/package/2006/metadata/core-properties"/>
-    <ds:schemaRef ds:uri="http://www.w3.org/XML/1998/namespace"/>
-  </ds:schemaRefs>
-</ds:datastoreItem>
 </file>
--- a/Dynamic Database Queries - Cloud Eng Team Project.pptx
+++ b/Dynamic Database Queries - Cloud Eng Team Project.pptx
@@ -30129,10 +30129,18 @@
                 <a:buNone/>
               </a:pPr>
               <a:r>
+                <a:rPr lang="en-US" sz="900" dirty="0"/>
+                <a:t>Future </a:t>
+              </a:r>
+              <a:r>
+                <a:rPr lang="en-US" sz="900" dirty="0" err="1"/>
+                <a:t>Roadmp</a:t>
+              </a:r>
+              <a:r>
                 <a:rPr lang="en-US" sz="900"/>
-                <a:t>Adding Features</a:t>
+                <a:t> Features</a:t>
               </a:r>
-              <a:endParaRPr lang="en-US" sz="900" kern="1200"/>
+              <a:endParaRPr lang="en-US" sz="900" kern="1200" dirty="0"/>
             </a:p>
           </p:txBody>
         </p:sp>
@@ -37106,48 +37114,54 @@
           <a:lstStyle/>
           <a:p>
             <a:r>
-              <a:rPr lang="en-US"/>
+              <a:rPr lang="en-US" dirty="0"/>
               <a:t>Project overview</a:t>
             </a:r>
           </a:p>
           <a:p>
             <a:r>
-              <a:rPr lang="en-US"/>
+              <a:rPr lang="en-US" dirty="0"/>
+              <a:t>Business challenge</a:t>
+            </a:r>
+          </a:p>
+          <a:p>
+            <a:r>
+              <a:rPr lang="en-US" dirty="0"/>
               <a:t>Serverless architecture</a:t>
             </a:r>
           </a:p>
           <a:p>
             <a:r>
-              <a:rPr lang="en-US"/>
+              <a:rPr lang="en-US" dirty="0"/>
               <a:t>Demo (live/recorded)</a:t>
             </a:r>
           </a:p>
           <a:p>
             <a:r>
-              <a:rPr lang="en-US"/>
+              <a:rPr lang="en-US" dirty="0"/>
               <a:t>Business outcomes and learning </a:t>
             </a:r>
           </a:p>
           <a:p>
             <a:r>
-              <a:rPr lang="en-US"/>
+              <a:rPr lang="en-US" dirty="0"/>
               <a:t>Future roadmap</a:t>
             </a:r>
           </a:p>
           <a:p>
             <a:r>
-              <a:rPr lang="en-US"/>
+              <a:rPr lang="en-US" dirty="0"/>
               <a:t>Speedbumps</a:t>
             </a:r>
           </a:p>
           <a:p>
             <a:r>
-              <a:rPr lang="en-US"/>
+              <a:rPr lang="en-US" dirty="0"/>
               <a:t>Appendix – costs summary</a:t>
             </a:r>
           </a:p>
           <a:p>
-            <a:endParaRPr lang="en-US"/>
+            <a:endParaRPr lang="en-US" dirty="0"/>
           </a:p>
         </p:txBody>
       </p:sp>
@@ -38469,8 +38483,8 @@
           <a:lstStyle/>
           <a:p>
             <a:r>
-              <a:rPr lang="en-US"/>
-              <a:t>Phase 1: Project concept</a:t>
+              <a:rPr lang="en-US" dirty="0"/>
+              <a:t>business challenge and Project concept</a:t>
             </a:r>
           </a:p>
         </p:txBody>
@@ -39127,7 +39141,7 @@
               </a:spcAft>
             </a:pPr>
             <a:r>
-              <a:rPr lang="en-US" sz="1400" b="0" kern="1200" baseline="0">
+              <a:rPr lang="en-US" sz="1400" b="0" kern="1200" baseline="0" dirty="0">
                 <a:solidFill>
                   <a:schemeClr val="tx1"/>
                 </a:solidFill>
@@ -39148,14 +39162,14 @@
               </a:spcAft>
             </a:pPr>
             <a:r>
-              <a:rPr lang="en-US" sz="1400">
+              <a:rPr lang="en-US" sz="1400" dirty="0">
                 <a:solidFill>
                   <a:schemeClr val="tx1"/>
                 </a:solidFill>
               </a:rPr>
               <a:t>Sub-accounts and functional teams needed to partner to collect and provide  information to the matrixed team members that were rapidly responding to the evolving COVID environment.</a:t>
             </a:r>
-            <a:endParaRPr lang="en-US" sz="1200" kern="1200">
+            <a:endParaRPr lang="en-US" sz="1200" kern="1200" dirty="0">
               <a:solidFill>
                 <a:schemeClr val="tx1"/>
               </a:solidFill>
@@ -39504,14 +39518,14 @@
               <a:buNone/>
             </a:pPr>
             <a:r>
-              <a:rPr lang="en-US" sz="1400" b="0" kern="1200" baseline="0">
+              <a:rPr lang="en-US" sz="1400" b="0" kern="1200" baseline="0" dirty="0">
                 <a:solidFill>
                   <a:srgbClr val="D30D65"/>
                 </a:solidFill>
               </a:rPr>
               <a:t>Multiple data stores lacking enterprise-wide Integration for tracking staff made information was not easily accessible and centrally available.</a:t>
             </a:r>
-            <a:endParaRPr lang="en-US" sz="1400" kern="1200">
+            <a:endParaRPr lang="en-US" sz="1400" kern="1200" dirty="0">
               <a:solidFill>
                 <a:srgbClr val="D30D65"/>
               </a:solidFill>
@@ -40868,6 +40882,182 @@
           </a:fontRef>
         </p:style>
       </p:sp>
+      <p:sp>
+        <p:nvSpPr>
+          <p:cNvPr id="30" name="Freeform: Shape 29">
+            <a:extLst>
+              <a:ext uri="{FF2B5EF4-FFF2-40B4-BE49-F238E27FC236}">
+                <a16:creationId xmlns:a16="http://schemas.microsoft.com/office/drawing/2014/main" id="{93E18076-19DC-4854-9A8A-D1277D980400}"/>
+              </a:ext>
+            </a:extLst>
+          </p:cNvPr>
+          <p:cNvSpPr/>
+          <p:nvPr/>
+        </p:nvSpPr>
+        <p:spPr>
+          <a:xfrm>
+            <a:off x="8560304" y="1025012"/>
+            <a:ext cx="923548" cy="179154"/>
+          </a:xfrm>
+          <a:custGeom>
+            <a:avLst/>
+            <a:gdLst>
+              <a:gd name="connsiteX0" fmla="*/ 0 w 887620"/>
+              <a:gd name="connsiteY0" fmla="*/ 103572 h 621305"/>
+              <a:gd name="connsiteX1" fmla="*/ 103572 w 887620"/>
+              <a:gd name="connsiteY1" fmla="*/ 0 h 621305"/>
+              <a:gd name="connsiteX2" fmla="*/ 784048 w 887620"/>
+              <a:gd name="connsiteY2" fmla="*/ 0 h 621305"/>
+              <a:gd name="connsiteX3" fmla="*/ 887620 w 887620"/>
+              <a:gd name="connsiteY3" fmla="*/ 103572 h 621305"/>
+              <a:gd name="connsiteX4" fmla="*/ 887620 w 887620"/>
+              <a:gd name="connsiteY4" fmla="*/ 517733 h 621305"/>
+              <a:gd name="connsiteX5" fmla="*/ 784048 w 887620"/>
+              <a:gd name="connsiteY5" fmla="*/ 621305 h 621305"/>
+              <a:gd name="connsiteX6" fmla="*/ 103572 w 887620"/>
+              <a:gd name="connsiteY6" fmla="*/ 621305 h 621305"/>
+              <a:gd name="connsiteX7" fmla="*/ 0 w 887620"/>
+              <a:gd name="connsiteY7" fmla="*/ 517733 h 621305"/>
+              <a:gd name="connsiteX8" fmla="*/ 0 w 887620"/>
+              <a:gd name="connsiteY8" fmla="*/ 103572 h 621305"/>
+            </a:gdLst>
+            <a:ahLst/>
+            <a:cxnLst>
+              <a:cxn ang="0">
+                <a:pos x="connsiteX0" y="connsiteY0"/>
+              </a:cxn>
+              <a:cxn ang="0">
+                <a:pos x="connsiteX1" y="connsiteY1"/>
+              </a:cxn>
+              <a:cxn ang="0">
+                <a:pos x="connsiteX2" y="connsiteY2"/>
+              </a:cxn>
+              <a:cxn ang="0">
+                <a:pos x="connsiteX3" y="connsiteY3"/>
+              </a:cxn>
+              <a:cxn ang="0">
+                <a:pos x="connsiteX4" y="connsiteY4"/>
+              </a:cxn>
+              <a:cxn ang="0">
+                <a:pos x="connsiteX5" y="connsiteY5"/>
+              </a:cxn>
+              <a:cxn ang="0">
+                <a:pos x="connsiteX6" y="connsiteY6"/>
+              </a:cxn>
+              <a:cxn ang="0">
+                <a:pos x="connsiteX7" y="connsiteY7"/>
+              </a:cxn>
+              <a:cxn ang="0">
+                <a:pos x="connsiteX8" y="connsiteY8"/>
+              </a:cxn>
+            </a:cxnLst>
+            <a:rect l="l" t="t" r="r" b="b"/>
+            <a:pathLst>
+              <a:path w="887620" h="621305">
+                <a:moveTo>
+                  <a:pt x="0" y="103572"/>
+                </a:moveTo>
+                <a:cubicBezTo>
+                  <a:pt x="0" y="46371"/>
+                  <a:pt x="46371" y="0"/>
+                  <a:pt x="103572" y="0"/>
+                </a:cubicBezTo>
+                <a:lnTo>
+                  <a:pt x="784048" y="0"/>
+                </a:lnTo>
+                <a:cubicBezTo>
+                  <a:pt x="841249" y="0"/>
+                  <a:pt x="887620" y="46371"/>
+                  <a:pt x="887620" y="103572"/>
+                </a:cubicBezTo>
+                <a:lnTo>
+                  <a:pt x="887620" y="517733"/>
+                </a:lnTo>
+                <a:cubicBezTo>
+                  <a:pt x="887620" y="574934"/>
+                  <a:pt x="841249" y="621305"/>
+                  <a:pt x="784048" y="621305"/>
+                </a:cubicBezTo>
+                <a:lnTo>
+                  <a:pt x="103572" y="621305"/>
+                </a:lnTo>
+                <a:cubicBezTo>
+                  <a:pt x="46371" y="621305"/>
+                  <a:pt x="0" y="574934"/>
+                  <a:pt x="0" y="517733"/>
+                </a:cubicBezTo>
+                <a:lnTo>
+                  <a:pt x="0" y="103572"/>
+                </a:lnTo>
+                <a:close/>
+              </a:path>
+            </a:pathLst>
+          </a:custGeom>
+          <a:noFill/>
+        </p:spPr>
+        <p:style>
+          <a:lnRef idx="2">
+            <a:schemeClr val="lt1">
+              <a:hueOff val="0"/>
+              <a:satOff val="0"/>
+              <a:lumOff val="0"/>
+              <a:alphaOff val="0"/>
+            </a:schemeClr>
+          </a:lnRef>
+          <a:fillRef idx="1">
+            <a:schemeClr val="accent4">
+              <a:hueOff val="0"/>
+              <a:satOff val="0"/>
+              <a:lumOff val="0"/>
+              <a:alphaOff val="0"/>
+            </a:schemeClr>
+          </a:fillRef>
+          <a:effectRef idx="0">
+            <a:schemeClr val="accent4">
+              <a:hueOff val="0"/>
+              <a:satOff val="0"/>
+              <a:lumOff val="0"/>
+              <a:alphaOff val="0"/>
+            </a:schemeClr>
+          </a:effectRef>
+          <a:fontRef idx="minor">
+            <a:schemeClr val="lt1"/>
+          </a:fontRef>
+        </p:style>
+        <p:txBody>
+          <a:bodyPr spcFirstLastPara="0" vert="horz" wrap="square" lIns="49385" tIns="49385" rIns="49385" bIns="49385" numCol="1" spcCol="1270" anchor="t" anchorCtr="0">
+            <a:noAutofit/>
+          </a:bodyPr>
+          <a:lstStyle/>
+          <a:p>
+            <a:pPr marL="0" lvl="0" indent="0" algn="ctr" defTabSz="222250">
+              <a:lnSpc>
+                <a:spcPct val="90000"/>
+              </a:lnSpc>
+              <a:spcBef>
+                <a:spcPct val="0"/>
+              </a:spcBef>
+              <a:spcAft>
+                <a:spcPct val="35000"/>
+              </a:spcAft>
+              <a:buNone/>
+            </a:pPr>
+            <a:r>
+              <a:rPr lang="en-US" sz="900" b="0" kern="1200" baseline="0" dirty="0">
+                <a:solidFill>
+                  <a:srgbClr val="D30D65"/>
+                </a:solidFill>
+              </a:rPr>
+              <a:t>Phase 1</a:t>
+            </a:r>
+            <a:endParaRPr lang="en-US" sz="900" kern="1200" dirty="0">
+              <a:solidFill>
+                <a:srgbClr val="D30D65"/>
+              </a:solidFill>
+            </a:endParaRPr>
+          </a:p>
+        </p:txBody>
+      </p:sp>
     </p:spTree>
     <p:extLst>
       <p:ext uri="{BB962C8B-B14F-4D97-AF65-F5344CB8AC3E}">
@@ -41344,6 +41534,182 @@
               <a:rPr lang="en-US" sz="1200"/>
               <a:t>Original Source:  Workday</a:t>
             </a:r>
+          </a:p>
+        </p:txBody>
+      </p:sp>
+      <p:sp>
+        <p:nvSpPr>
+          <p:cNvPr id="10" name="Freeform: Shape 9">
+            <a:extLst>
+              <a:ext uri="{FF2B5EF4-FFF2-40B4-BE49-F238E27FC236}">
+                <a16:creationId xmlns:a16="http://schemas.microsoft.com/office/drawing/2014/main" id="{59BB695E-012F-4F00-A148-05DDC9283948}"/>
+              </a:ext>
+            </a:extLst>
+          </p:cNvPr>
+          <p:cNvSpPr/>
+          <p:nvPr/>
+        </p:nvSpPr>
+        <p:spPr>
+          <a:xfrm>
+            <a:off x="8560304" y="1025012"/>
+            <a:ext cx="923548" cy="179154"/>
+          </a:xfrm>
+          <a:custGeom>
+            <a:avLst/>
+            <a:gdLst>
+              <a:gd name="connsiteX0" fmla="*/ 0 w 887620"/>
+              <a:gd name="connsiteY0" fmla="*/ 103572 h 621305"/>
+              <a:gd name="connsiteX1" fmla="*/ 103572 w 887620"/>
+              <a:gd name="connsiteY1" fmla="*/ 0 h 621305"/>
+              <a:gd name="connsiteX2" fmla="*/ 784048 w 887620"/>
+              <a:gd name="connsiteY2" fmla="*/ 0 h 621305"/>
+              <a:gd name="connsiteX3" fmla="*/ 887620 w 887620"/>
+              <a:gd name="connsiteY3" fmla="*/ 103572 h 621305"/>
+              <a:gd name="connsiteX4" fmla="*/ 887620 w 887620"/>
+              <a:gd name="connsiteY4" fmla="*/ 517733 h 621305"/>
+              <a:gd name="connsiteX5" fmla="*/ 784048 w 887620"/>
+              <a:gd name="connsiteY5" fmla="*/ 621305 h 621305"/>
+              <a:gd name="connsiteX6" fmla="*/ 103572 w 887620"/>
+              <a:gd name="connsiteY6" fmla="*/ 621305 h 621305"/>
+              <a:gd name="connsiteX7" fmla="*/ 0 w 887620"/>
+              <a:gd name="connsiteY7" fmla="*/ 517733 h 621305"/>
+              <a:gd name="connsiteX8" fmla="*/ 0 w 887620"/>
+              <a:gd name="connsiteY8" fmla="*/ 103572 h 621305"/>
+            </a:gdLst>
+            <a:ahLst/>
+            <a:cxnLst>
+              <a:cxn ang="0">
+                <a:pos x="connsiteX0" y="connsiteY0"/>
+              </a:cxn>
+              <a:cxn ang="0">
+                <a:pos x="connsiteX1" y="connsiteY1"/>
+              </a:cxn>
+              <a:cxn ang="0">
+                <a:pos x="connsiteX2" y="connsiteY2"/>
+              </a:cxn>
+              <a:cxn ang="0">
+                <a:pos x="connsiteX3" y="connsiteY3"/>
+              </a:cxn>
+              <a:cxn ang="0">
+                <a:pos x="connsiteX4" y="connsiteY4"/>
+              </a:cxn>
+              <a:cxn ang="0">
+                <a:pos x="connsiteX5" y="connsiteY5"/>
+              </a:cxn>
+              <a:cxn ang="0">
+                <a:pos x="connsiteX6" y="connsiteY6"/>
+              </a:cxn>
+              <a:cxn ang="0">
+                <a:pos x="connsiteX7" y="connsiteY7"/>
+              </a:cxn>
+              <a:cxn ang="0">
+                <a:pos x="connsiteX8" y="connsiteY8"/>
+              </a:cxn>
+            </a:cxnLst>
+            <a:rect l="l" t="t" r="r" b="b"/>
+            <a:pathLst>
+              <a:path w="887620" h="621305">
+                <a:moveTo>
+                  <a:pt x="0" y="103572"/>
+                </a:moveTo>
+                <a:cubicBezTo>
+                  <a:pt x="0" y="46371"/>
+                  <a:pt x="46371" y="0"/>
+                  <a:pt x="103572" y="0"/>
+                </a:cubicBezTo>
+                <a:lnTo>
+                  <a:pt x="784048" y="0"/>
+                </a:lnTo>
+                <a:cubicBezTo>
+                  <a:pt x="841249" y="0"/>
+                  <a:pt x="887620" y="46371"/>
+                  <a:pt x="887620" y="103572"/>
+                </a:cubicBezTo>
+                <a:lnTo>
+                  <a:pt x="887620" y="517733"/>
+                </a:lnTo>
+                <a:cubicBezTo>
+                  <a:pt x="887620" y="574934"/>
+                  <a:pt x="841249" y="621305"/>
+                  <a:pt x="784048" y="621305"/>
+                </a:cubicBezTo>
+                <a:lnTo>
+                  <a:pt x="103572" y="621305"/>
+                </a:lnTo>
+                <a:cubicBezTo>
+                  <a:pt x="46371" y="621305"/>
+                  <a:pt x="0" y="574934"/>
+                  <a:pt x="0" y="517733"/>
+                </a:cubicBezTo>
+                <a:lnTo>
+                  <a:pt x="0" y="103572"/>
+                </a:lnTo>
+                <a:close/>
+              </a:path>
+            </a:pathLst>
+          </a:custGeom>
+          <a:noFill/>
+        </p:spPr>
+        <p:style>
+          <a:lnRef idx="2">
+            <a:schemeClr val="lt1">
+              <a:hueOff val="0"/>
+              <a:satOff val="0"/>
+              <a:lumOff val="0"/>
+              <a:alphaOff val="0"/>
+            </a:schemeClr>
+          </a:lnRef>
+          <a:fillRef idx="1">
+            <a:schemeClr val="accent4">
+              <a:hueOff val="0"/>
+              <a:satOff val="0"/>
+              <a:lumOff val="0"/>
+              <a:alphaOff val="0"/>
+            </a:schemeClr>
+          </a:fillRef>
+          <a:effectRef idx="0">
+            <a:schemeClr val="accent4">
+              <a:hueOff val="0"/>
+              <a:satOff val="0"/>
+              <a:lumOff val="0"/>
+              <a:alphaOff val="0"/>
+            </a:schemeClr>
+          </a:effectRef>
+          <a:fontRef idx="minor">
+            <a:schemeClr val="lt1"/>
+          </a:fontRef>
+        </p:style>
+        <p:txBody>
+          <a:bodyPr spcFirstLastPara="0" vert="horz" wrap="square" lIns="49385" tIns="49385" rIns="49385" bIns="49385" numCol="1" spcCol="1270" anchor="t" anchorCtr="0">
+            <a:noAutofit/>
+          </a:bodyPr>
+          <a:lstStyle/>
+          <a:p>
+            <a:pPr marL="0" lvl="0" indent="0" algn="ctr" defTabSz="222250">
+              <a:lnSpc>
+                <a:spcPct val="90000"/>
+              </a:lnSpc>
+              <a:spcBef>
+                <a:spcPct val="0"/>
+              </a:spcBef>
+              <a:spcAft>
+                <a:spcPct val="35000"/>
+              </a:spcAft>
+              <a:buNone/>
+            </a:pPr>
+            <a:r>
+              <a:rPr lang="en-US" sz="900" b="0" kern="1200" baseline="0" dirty="0">
+                <a:solidFill>
+                  <a:srgbClr val="D30D65"/>
+                </a:solidFill>
+              </a:rPr>
+              <a:t>Phase 1</a:t>
+            </a:r>
+            <a:endParaRPr lang="en-US" sz="900" kern="1200" dirty="0">
+              <a:solidFill>
+                <a:srgbClr val="D30D65"/>
+              </a:solidFill>
+            </a:endParaRPr>
           </a:p>
         </p:txBody>
       </p:sp>
@@ -42330,6 +42696,182 @@
               <a:rPr lang="en-US"/>
               <a:t>Foundational resource build leveraging AWS CloudFormation</a:t>
             </a:r>
+          </a:p>
+        </p:txBody>
+      </p:sp>
+      <p:sp>
+        <p:nvSpPr>
+          <p:cNvPr id="26" name="Freeform: Shape 25">
+            <a:extLst>
+              <a:ext uri="{FF2B5EF4-FFF2-40B4-BE49-F238E27FC236}">
+                <a16:creationId xmlns:a16="http://schemas.microsoft.com/office/drawing/2014/main" id="{FBAF112B-4E3B-4F69-9141-FD8FE9327831}"/>
+              </a:ext>
+            </a:extLst>
+          </p:cNvPr>
+          <p:cNvSpPr/>
+          <p:nvPr/>
+        </p:nvSpPr>
+        <p:spPr>
+          <a:xfrm>
+            <a:off x="8600426" y="1065504"/>
+            <a:ext cx="923548" cy="179154"/>
+          </a:xfrm>
+          <a:custGeom>
+            <a:avLst/>
+            <a:gdLst>
+              <a:gd name="connsiteX0" fmla="*/ 0 w 887620"/>
+              <a:gd name="connsiteY0" fmla="*/ 103572 h 621305"/>
+              <a:gd name="connsiteX1" fmla="*/ 103572 w 887620"/>
+              <a:gd name="connsiteY1" fmla="*/ 0 h 621305"/>
+              <a:gd name="connsiteX2" fmla="*/ 784048 w 887620"/>
+              <a:gd name="connsiteY2" fmla="*/ 0 h 621305"/>
+              <a:gd name="connsiteX3" fmla="*/ 887620 w 887620"/>
+              <a:gd name="connsiteY3" fmla="*/ 103572 h 621305"/>
+              <a:gd name="connsiteX4" fmla="*/ 887620 w 887620"/>
+              <a:gd name="connsiteY4" fmla="*/ 517733 h 621305"/>
+              <a:gd name="connsiteX5" fmla="*/ 784048 w 887620"/>
+              <a:gd name="connsiteY5" fmla="*/ 621305 h 621305"/>
+              <a:gd name="connsiteX6" fmla="*/ 103572 w 887620"/>
+              <a:gd name="connsiteY6" fmla="*/ 621305 h 621305"/>
+              <a:gd name="connsiteX7" fmla="*/ 0 w 887620"/>
+              <a:gd name="connsiteY7" fmla="*/ 517733 h 621305"/>
+              <a:gd name="connsiteX8" fmla="*/ 0 w 887620"/>
+              <a:gd name="connsiteY8" fmla="*/ 103572 h 621305"/>
+            </a:gdLst>
+            <a:ahLst/>
+            <a:cxnLst>
+              <a:cxn ang="0">
+                <a:pos x="connsiteX0" y="connsiteY0"/>
+              </a:cxn>
+              <a:cxn ang="0">
+                <a:pos x="connsiteX1" y="connsiteY1"/>
+              </a:cxn>
+              <a:cxn ang="0">
+                <a:pos x="connsiteX2" y="connsiteY2"/>
+              </a:cxn>
+              <a:cxn ang="0">
+                <a:pos x="connsiteX3" y="connsiteY3"/>
+              </a:cxn>
+              <a:cxn ang="0">
+                <a:pos x="connsiteX4" y="connsiteY4"/>
+              </a:cxn>
+              <a:cxn ang="0">
+                <a:pos x="connsiteX5" y="connsiteY5"/>
+              </a:cxn>
+              <a:cxn ang="0">
+                <a:pos x="connsiteX6" y="connsiteY6"/>
+              </a:cxn>
+              <a:cxn ang="0">
+                <a:pos x="connsiteX7" y="connsiteY7"/>
+              </a:cxn>
+              <a:cxn ang="0">
+                <a:pos x="connsiteX8" y="connsiteY8"/>
+              </a:cxn>
+            </a:cxnLst>
+            <a:rect l="l" t="t" r="r" b="b"/>
+            <a:pathLst>
+              <a:path w="887620" h="621305">
+                <a:moveTo>
+                  <a:pt x="0" y="103572"/>
+                </a:moveTo>
+                <a:cubicBezTo>
+                  <a:pt x="0" y="46371"/>
+                  <a:pt x="46371" y="0"/>
+                  <a:pt x="103572" y="0"/>
+                </a:cubicBezTo>
+                <a:lnTo>
+                  <a:pt x="784048" y="0"/>
+                </a:lnTo>
+                <a:cubicBezTo>
+                  <a:pt x="841249" y="0"/>
+                  <a:pt x="887620" y="46371"/>
+                  <a:pt x="887620" y="103572"/>
+                </a:cubicBezTo>
+                <a:lnTo>
+                  <a:pt x="887620" y="517733"/>
+                </a:lnTo>
+                <a:cubicBezTo>
+                  <a:pt x="887620" y="574934"/>
+                  <a:pt x="841249" y="621305"/>
+                  <a:pt x="784048" y="621305"/>
+                </a:cubicBezTo>
+                <a:lnTo>
+                  <a:pt x="103572" y="621305"/>
+                </a:lnTo>
+                <a:cubicBezTo>
+                  <a:pt x="46371" y="621305"/>
+                  <a:pt x="0" y="574934"/>
+                  <a:pt x="0" y="517733"/>
+                </a:cubicBezTo>
+                <a:lnTo>
+                  <a:pt x="0" y="103572"/>
+                </a:lnTo>
+                <a:close/>
+              </a:path>
+            </a:pathLst>
+          </a:custGeom>
+          <a:noFill/>
+        </p:spPr>
+        <p:style>
+          <a:lnRef idx="2">
+            <a:schemeClr val="lt1">
+              <a:hueOff val="0"/>
+              <a:satOff val="0"/>
+              <a:lumOff val="0"/>
+              <a:alphaOff val="0"/>
+            </a:schemeClr>
+          </a:lnRef>
+          <a:fillRef idx="1">
+            <a:schemeClr val="accent4">
+              <a:hueOff val="0"/>
+              <a:satOff val="0"/>
+              <a:lumOff val="0"/>
+              <a:alphaOff val="0"/>
+            </a:schemeClr>
+          </a:fillRef>
+          <a:effectRef idx="0">
+            <a:schemeClr val="accent4">
+              <a:hueOff val="0"/>
+              <a:satOff val="0"/>
+              <a:lumOff val="0"/>
+              <a:alphaOff val="0"/>
+            </a:schemeClr>
+          </a:effectRef>
+          <a:fontRef idx="minor">
+            <a:schemeClr val="lt1"/>
+          </a:fontRef>
+        </p:style>
+        <p:txBody>
+          <a:bodyPr spcFirstLastPara="0" vert="horz" wrap="square" lIns="49385" tIns="49385" rIns="49385" bIns="49385" numCol="1" spcCol="1270" anchor="t" anchorCtr="0">
+            <a:noAutofit/>
+          </a:bodyPr>
+          <a:lstStyle/>
+          <a:p>
+            <a:pPr marL="0" lvl="0" indent="0" algn="ctr" defTabSz="222250">
+              <a:lnSpc>
+                <a:spcPct val="90000"/>
+              </a:lnSpc>
+              <a:spcBef>
+                <a:spcPct val="0"/>
+              </a:spcBef>
+              <a:spcAft>
+                <a:spcPct val="35000"/>
+              </a:spcAft>
+              <a:buNone/>
+            </a:pPr>
+            <a:r>
+              <a:rPr lang="en-US" sz="900" b="0" kern="1200" baseline="0" dirty="0">
+                <a:solidFill>
+                  <a:srgbClr val="D30D65"/>
+                </a:solidFill>
+              </a:rPr>
+              <a:t>Phase 2</a:t>
+            </a:r>
+            <a:endParaRPr lang="en-US" sz="900" kern="1200" dirty="0">
+              <a:solidFill>
+                <a:srgbClr val="D30D65"/>
+              </a:solidFill>
+            </a:endParaRPr>
           </a:p>
         </p:txBody>
       </p:sp>
@@ -43040,23 +43582,23 @@
           </a:lstStyle>
           <a:p>
             <a:r>
-              <a:rPr lang="en-US"/>
+              <a:rPr lang="en-US" dirty="0"/>
               <a:t>Part 2: Enabling </a:t>
             </a:r>
             <a:r>
-              <a:rPr lang="en-US" err="1"/>
+              <a:rPr lang="en-US" dirty="0" err="1"/>
               <a:t>api</a:t>
             </a:r>
             <a:r>
-              <a:rPr lang="en-US"/>
+              <a:rPr lang="en-US" dirty="0"/>
               <a:t> access to </a:t>
             </a:r>
             <a:r>
-              <a:rPr lang="en-US" err="1"/>
+              <a:rPr lang="en-US" dirty="0" err="1"/>
               <a:t>dynamodb</a:t>
             </a:r>
             <a:r>
-              <a:rPr lang="en-US"/>
+              <a:rPr lang="en-US" dirty="0"/>
               <a:t> using lambda</a:t>
             </a:r>
           </a:p>
@@ -43867,6 +44409,182 @@
               <a:rPr lang="en-US" sz="900" dirty="0"/>
               <a:t>, MS Teams, Zoom)</a:t>
             </a:r>
+          </a:p>
+        </p:txBody>
+      </p:sp>
+      <p:sp>
+        <p:nvSpPr>
+          <p:cNvPr id="30" name="Freeform: Shape 29">
+            <a:extLst>
+              <a:ext uri="{FF2B5EF4-FFF2-40B4-BE49-F238E27FC236}">
+                <a16:creationId xmlns:a16="http://schemas.microsoft.com/office/drawing/2014/main" id="{75E59808-2969-43A2-90A6-6CD4ADB2BE04}"/>
+              </a:ext>
+            </a:extLst>
+          </p:cNvPr>
+          <p:cNvSpPr/>
+          <p:nvPr/>
+        </p:nvSpPr>
+        <p:spPr>
+          <a:xfrm>
+            <a:off x="8560304" y="1025012"/>
+            <a:ext cx="923548" cy="179154"/>
+          </a:xfrm>
+          <a:custGeom>
+            <a:avLst/>
+            <a:gdLst>
+              <a:gd name="connsiteX0" fmla="*/ 0 w 887620"/>
+              <a:gd name="connsiteY0" fmla="*/ 103572 h 621305"/>
+              <a:gd name="connsiteX1" fmla="*/ 103572 w 887620"/>
+              <a:gd name="connsiteY1" fmla="*/ 0 h 621305"/>
+              <a:gd name="connsiteX2" fmla="*/ 784048 w 887620"/>
+              <a:gd name="connsiteY2" fmla="*/ 0 h 621305"/>
+              <a:gd name="connsiteX3" fmla="*/ 887620 w 887620"/>
+              <a:gd name="connsiteY3" fmla="*/ 103572 h 621305"/>
+              <a:gd name="connsiteX4" fmla="*/ 887620 w 887620"/>
+              <a:gd name="connsiteY4" fmla="*/ 517733 h 621305"/>
+              <a:gd name="connsiteX5" fmla="*/ 784048 w 887620"/>
+              <a:gd name="connsiteY5" fmla="*/ 621305 h 621305"/>
+              <a:gd name="connsiteX6" fmla="*/ 103572 w 887620"/>
+              <a:gd name="connsiteY6" fmla="*/ 621305 h 621305"/>
+              <a:gd name="connsiteX7" fmla="*/ 0 w 887620"/>
+              <a:gd name="connsiteY7" fmla="*/ 517733 h 621305"/>
+              <a:gd name="connsiteX8" fmla="*/ 0 w 887620"/>
+              <a:gd name="connsiteY8" fmla="*/ 103572 h 621305"/>
+            </a:gdLst>
+            <a:ahLst/>
+            <a:cxnLst>
+              <a:cxn ang="0">
+                <a:pos x="connsiteX0" y="connsiteY0"/>
+              </a:cxn>
+              <a:cxn ang="0">
+                <a:pos x="connsiteX1" y="connsiteY1"/>
+              </a:cxn>
+              <a:cxn ang="0">
+                <a:pos x="connsiteX2" y="connsiteY2"/>
+              </a:cxn>
+              <a:cxn ang="0">
+                <a:pos x="connsiteX3" y="connsiteY3"/>
+              </a:cxn>
+              <a:cxn ang="0">
+                <a:pos x="connsiteX4" y="connsiteY4"/>
+              </a:cxn>
+              <a:cxn ang="0">
+                <a:pos x="connsiteX5" y="connsiteY5"/>
+              </a:cxn>
+              <a:cxn ang="0">
+                <a:pos x="connsiteX6" y="connsiteY6"/>
+              </a:cxn>
+              <a:cxn ang="0">
+                <a:pos x="connsiteX7" y="connsiteY7"/>
+              </a:cxn>
+              <a:cxn ang="0">
+                <a:pos x="connsiteX8" y="connsiteY8"/>
+              </a:cxn>
+            </a:cxnLst>
+            <a:rect l="l" t="t" r="r" b="b"/>
+            <a:pathLst>
+              <a:path w="887620" h="621305">
+                <a:moveTo>
+                  <a:pt x="0" y="103572"/>
+                </a:moveTo>
+                <a:cubicBezTo>
+                  <a:pt x="0" y="46371"/>
+                  <a:pt x="46371" y="0"/>
+                  <a:pt x="103572" y="0"/>
+                </a:cubicBezTo>
+                <a:lnTo>
+                  <a:pt x="784048" y="0"/>
+                </a:lnTo>
+                <a:cubicBezTo>
+                  <a:pt x="841249" y="0"/>
+                  <a:pt x="887620" y="46371"/>
+                  <a:pt x="887620" y="103572"/>
+                </a:cubicBezTo>
+                <a:lnTo>
+                  <a:pt x="887620" y="517733"/>
+                </a:lnTo>
+                <a:cubicBezTo>
+                  <a:pt x="887620" y="574934"/>
+                  <a:pt x="841249" y="621305"/>
+                  <a:pt x="784048" y="621305"/>
+                </a:cubicBezTo>
+                <a:lnTo>
+                  <a:pt x="103572" y="621305"/>
+                </a:lnTo>
+                <a:cubicBezTo>
+                  <a:pt x="46371" y="621305"/>
+                  <a:pt x="0" y="574934"/>
+                  <a:pt x="0" y="517733"/>
+                </a:cubicBezTo>
+                <a:lnTo>
+                  <a:pt x="0" y="103572"/>
+                </a:lnTo>
+                <a:close/>
+              </a:path>
+            </a:pathLst>
+          </a:custGeom>
+          <a:noFill/>
+        </p:spPr>
+        <p:style>
+          <a:lnRef idx="2">
+            <a:schemeClr val="lt1">
+              <a:hueOff val="0"/>
+              <a:satOff val="0"/>
+              <a:lumOff val="0"/>
+              <a:alphaOff val="0"/>
+            </a:schemeClr>
+          </a:lnRef>
+          <a:fillRef idx="1">
+            <a:schemeClr val="accent4">
+              <a:hueOff val="0"/>
+              <a:satOff val="0"/>
+              <a:lumOff val="0"/>
+              <a:alphaOff val="0"/>
+            </a:schemeClr>
+          </a:fillRef>
+          <a:effectRef idx="0">
+            <a:schemeClr val="accent4">
+              <a:hueOff val="0"/>
+              <a:satOff val="0"/>
+              <a:lumOff val="0"/>
+              <a:alphaOff val="0"/>
+            </a:schemeClr>
+          </a:effectRef>
+          <a:fontRef idx="minor">
+            <a:schemeClr val="lt1"/>
+          </a:fontRef>
+        </p:style>
+        <p:txBody>
+          <a:bodyPr spcFirstLastPara="0" vert="horz" wrap="square" lIns="49385" tIns="49385" rIns="49385" bIns="49385" numCol="1" spcCol="1270" anchor="t" anchorCtr="0">
+            <a:noAutofit/>
+          </a:bodyPr>
+          <a:lstStyle/>
+          <a:p>
+            <a:pPr marL="0" lvl="0" indent="0" algn="ctr" defTabSz="222250">
+              <a:lnSpc>
+                <a:spcPct val="90000"/>
+              </a:lnSpc>
+              <a:spcBef>
+                <a:spcPct val="0"/>
+              </a:spcBef>
+              <a:spcAft>
+                <a:spcPct val="35000"/>
+              </a:spcAft>
+              <a:buNone/>
+            </a:pPr>
+            <a:r>
+              <a:rPr lang="en-US" sz="900" b="0" kern="1200" baseline="0" dirty="0">
+                <a:solidFill>
+                  <a:srgbClr val="D30D65"/>
+                </a:solidFill>
+              </a:rPr>
+              <a:t>Phase 3</a:t>
+            </a:r>
+            <a:endParaRPr lang="en-US" sz="900" kern="1200" dirty="0">
+              <a:solidFill>
+                <a:srgbClr val="D30D65"/>
+              </a:solidFill>
+            </a:endParaRPr>
           </a:p>
         </p:txBody>
       </p:sp>

--- a/Dynamic Database Queries - Cloud Eng Team Project.pptx
+++ b/Dynamic Database Queries - Cloud Eng Team Project.pptx
@@ -30130,15 +30130,7 @@
               </a:pPr>
               <a:r>
                 <a:rPr lang="en-US" sz="900" dirty="0"/>
-                <a:t>Future </a:t>
-              </a:r>
-              <a:r>
-                <a:rPr lang="en-US" sz="900" dirty="0" err="1"/>
-                <a:t>Roadmp</a:t>
-              </a:r>
-              <a:r>
-                <a:rPr lang="en-US" sz="900"/>
-                <a:t> Features</a:t>
+                <a:t>Future Roadmap Features</a:t>
               </a:r>
               <a:endParaRPr lang="en-US" sz="900" kern="1200" dirty="0"/>
             </a:p>

--- a/Dynamic Database Queries - Cloud Eng Team Project.pptx
+++ b/Dynamic Database Queries - Cloud Eng Team Project.pptx
@@ -33551,12 +33551,17 @@
         </p:blipFill>
         <p:spPr>
           <a:xfrm>
-            <a:off x="5378963" y="1712685"/>
+            <a:off x="5378963" y="1661885"/>
             <a:ext cx="4107959" cy="1992086"/>
           </a:xfrm>
           <a:prstGeom prst="rect">
             <a:avLst/>
           </a:prstGeom>
+          <a:ln w="28575">
+            <a:solidFill>
+              <a:schemeClr val="tx1"/>
+            </a:solidFill>
+          </a:ln>
         </p:spPr>
       </p:pic>
       <p:pic>
@@ -33581,11 +33586,16 @@
         <p:spPr>
           <a:xfrm>
             <a:off x="717826" y="1661885"/>
-            <a:ext cx="4107959" cy="1992086"/>
+            <a:ext cx="4107959" cy="2042886"/>
           </a:xfrm>
           <a:prstGeom prst="rect">
             <a:avLst/>
           </a:prstGeom>
+          <a:ln w="28575">
+            <a:solidFill>
+              <a:schemeClr val="tx1"/>
+            </a:solidFill>
+          </a:ln>
         </p:spPr>
       </p:pic>
       <p:sp>
@@ -33602,7 +33612,7 @@
         </p:nvSpPr>
         <p:spPr>
           <a:xfrm>
-            <a:off x="2433539" y="1374096"/>
+            <a:off x="2416629" y="1358528"/>
             <a:ext cx="676532" cy="276999"/>
           </a:xfrm>
           <a:prstGeom prst="rect">
@@ -33622,7 +33632,7 @@
           <a:lstStyle/>
           <a:p>
             <a:r>
-              <a:rPr lang="en-US" sz="1200" b="1"/>
+              <a:rPr lang="en-US" sz="1200" b="1" dirty="0"/>
               <a:t>Service </a:t>
             </a:r>
           </a:p>
@@ -33642,7 +33652,7 @@
         </p:nvSpPr>
         <p:spPr>
           <a:xfrm>
-            <a:off x="6977561" y="1374096"/>
+            <a:off x="6977561" y="1358528"/>
             <a:ext cx="910762" cy="276999"/>
           </a:xfrm>
           <a:prstGeom prst="rect">
